--- a/html_ppt/Chap15-JSP.pptx
+++ b/html_ppt/Chap15-JSP.pptx
@@ -171,6 +171,36 @@
       </a:defRPr>
     </a:lvl9pPr>
   </p:defaultTextStyle>
+  <p:extLst>
+    <p:ext uri="{EFAFB233-063F-42B5-8137-9DF3F51BA10A}">
+      <p15:sldGuideLst xmlns:p15="http://schemas.microsoft.com/office/powerpoint/2012/main">
+        <p15:guide id="1" orient="horz" pos="2160">
+          <p15:clr>
+            <a:srgbClr val="A4A3A4"/>
+          </p15:clr>
+        </p15:guide>
+        <p15:guide id="2" pos="2880">
+          <p15:clr>
+            <a:srgbClr val="A4A3A4"/>
+          </p15:clr>
+        </p15:guide>
+      </p15:sldGuideLst>
+    </p:ext>
+    <p:ext uri="{2D200454-40CA-4A62-9FC3-DE9A4176ACB9}">
+      <p15:notesGuideLst xmlns:p15="http://schemas.microsoft.com/office/powerpoint/2012/main">
+        <p15:guide id="1" orient="horz" pos="2904">
+          <p15:clr>
+            <a:srgbClr val="A4A3A4"/>
+          </p15:clr>
+        </p15:guide>
+        <p15:guide id="2" pos="2184">
+          <p15:clr>
+            <a:srgbClr val="A4A3A4"/>
+          </p15:clr>
+        </p15:guide>
+      </p15:notesGuideLst>
+    </p:ext>
+  </p:extLst>
 </p:presentation>
 </file>
 
@@ -222,11 +252,7 @@
             <a:noFill/>
           </a:ln>
           <a:effectLst/>
-          <a:extLst>
-            <a:ext uri="{909E8E84-426E-40DD-AFC4-6F175D3DCCD1}"/>
-            <a:ext uri="{91240B29-F687-4F45-9708-019B960494DF}"/>
-            <a:ext uri="{AF507438-7753-43E0-B8FC-AC1667EBCBE1}"/>
-          </a:extLst>
+          <a:extLst/>
         </p:spPr>
         <p:txBody>
           <a:bodyPr vert="horz" wrap="square" lIns="91440" tIns="45720" rIns="91440" bIns="45720" numCol="1" anchor="t" anchorCtr="0" compatLnSpc="1">
@@ -273,11 +299,7 @@
             <a:noFill/>
           </a:ln>
           <a:effectLst/>
-          <a:extLst>
-            <a:ext uri="{909E8E84-426E-40DD-AFC4-6F175D3DCCD1}"/>
-            <a:ext uri="{91240B29-F687-4F45-9708-019B960494DF}"/>
-            <a:ext uri="{AF507438-7753-43E0-B8FC-AC1667EBCBE1}"/>
-          </a:extLst>
+          <a:extLst/>
         </p:spPr>
         <p:txBody>
           <a:bodyPr vert="horz" wrap="square" lIns="91440" tIns="45720" rIns="91440" bIns="45720" numCol="1" anchor="t" anchorCtr="0" compatLnSpc="1">
@@ -324,11 +346,7 @@
             <a:noFill/>
           </a:ln>
           <a:effectLst/>
-          <a:extLst>
-            <a:ext uri="{909E8E84-426E-40DD-AFC4-6F175D3DCCD1}"/>
-            <a:ext uri="{91240B29-F687-4F45-9708-019B960494DF}"/>
-            <a:ext uri="{AF507438-7753-43E0-B8FC-AC1667EBCBE1}"/>
-          </a:extLst>
+          <a:extLst/>
         </p:spPr>
         <p:txBody>
           <a:bodyPr vert="horz" wrap="square" lIns="91440" tIns="45720" rIns="91440" bIns="45720" numCol="1" anchor="b" anchorCtr="0" compatLnSpc="1">
@@ -375,11 +393,7 @@
             <a:noFill/>
           </a:ln>
           <a:effectLst/>
-          <a:extLst>
-            <a:ext uri="{909E8E84-426E-40DD-AFC4-6F175D3DCCD1}"/>
-            <a:ext uri="{91240B29-F687-4F45-9708-019B960494DF}"/>
-            <a:ext uri="{AF507438-7753-43E0-B8FC-AC1667EBCBE1}"/>
-          </a:extLst>
+          <a:extLst/>
         </p:spPr>
         <p:txBody>
           <a:bodyPr vert="horz" wrap="square" lIns="91440" tIns="45720" rIns="91440" bIns="45720" numCol="1" anchor="b" anchorCtr="0" compatLnSpc="1">
@@ -413,6 +427,1030 @@
   </p:cSld>
   <p:clrMap bg1="lt1" tx1="dk1" bg2="lt2" tx2="dk2" accent1="accent1" accent2="accent2" accent3="accent3" accent4="accent4" accent5="accent5" accent6="accent6" hlink="hlink" folHlink="folHlink"/>
 </p:handoutMaster>
+</file>
+
+<file path=ppt/ink/ink1.xml><?xml version="1.0" encoding="utf-8"?>
+<inkml:ink xmlns:inkml="http://www.w3.org/2003/InkML">
+  <inkml:definitions>
+    <inkml:context xml:id="ctx0">
+      <inkml:inkSource xml:id="inkSrc0">
+        <inkml:traceFormat>
+          <inkml:channel name="X" type="integer" max="1920" units="cm"/>
+          <inkml:channel name="Y" type="integer" max="1080" units="cm"/>
+          <inkml:channel name="T" type="integer" max="2.14748E9" units="dev"/>
+        </inkml:traceFormat>
+        <inkml:channelProperties>
+          <inkml:channelProperty channel="X" name="resolution" value="36.85221" units="1/cm"/>
+          <inkml:channelProperty channel="Y" name="resolution" value="36.86007" units="1/cm"/>
+          <inkml:channelProperty channel="T" name="resolution" value="1" units="1/dev"/>
+        </inkml:channelProperties>
+      </inkml:inkSource>
+      <inkml:timestamp xml:id="ts0" timeString="2021-05-06T06:54:16.039"/>
+    </inkml:context>
+    <inkml:brush xml:id="br0">
+      <inkml:brushProperty name="width" value="0.06667" units="cm"/>
+      <inkml:brushProperty name="height" value="0.06667" units="cm"/>
+      <inkml:brushProperty name="color" value="#ED1C24"/>
+      <inkml:brushProperty name="fitToCurve" value="1"/>
+    </inkml:brush>
+  </inkml:definitions>
+  <inkml:traceGroup>
+    <inkml:annotationXML>
+      <emma:emma xmlns:emma="http://www.w3.org/2003/04/emma" version="1.0">
+        <emma:interpretation id="{E1D53AAE-C018-4ECC-9FEB-FA2655601B3F}" emma:medium="tactile" emma:mode="ink">
+          <msink:context xmlns:msink="http://schemas.microsoft.com/ink/2010/main" type="inkDrawing" rotatedBoundingBox="5780,9982 8584,8644 9634,10843 6831,12182" hotPoints="9367,10435 8001,11801 6635,10435 8001,9069" semanticType="enclosure" shapeName="Circle"/>
+        </emma:interpretation>
+      </emma:emma>
+    </inkml:annotationXML>
+    <inkml:trace contextRef="#ctx0" brushRef="#br0">372 1716 0,'0'-34'0,"0"-34"16,0 34-16,-34 0 15,0-33-15,34-69 16,0 68-1,0 1 1,0-1-16,0 0 16,0 1-16,0-1 15,0 0-15,0 0 16,0-33-16,0-1 16,34 34-16,0 1 15,0-35-15,0 68 16,34 0-16,-34-33 15,-1 33-15,1 0 16,34 34-16,0-68 16,33 34-16,35 34 15,-68-34-15,101 34 16,-68 0-16,-33 0 16,34 0-16,-34 0 15,-1 0-15,1 0 16,67 0-16,-67 0 15,34 0-15,-1 0 16,1 68-16,33-34 16,-67 34-16,-34-34 15,68-1-15,-68 35 16,33-34-16,-33 0 16,0 34-1,0-34-15,0 33 16,-34-33-16,34 0 15,-1 34-15,-33-34 16,0 67-16,0-67 16,0 68-16,0-35 15,0-33-15,0 0 16,0 68-16,0-68 16,0 67-16,-33 1 15,-1-34-15,0-1 16,0 1-16,-34 0 15,34-34-15,1 33 16,-35-33-16,0 34 16,0 0-16,1-68 15,-35 67-15,34-33 16,-33 34-16,33-34 16,-34 34-16,68-68 15,-33 33-15,-1 1 16,0 0-16,34-34 15,1 0-15,-35 0 16,34 34-16,0-34 16,-68 0-1,69 0-15,-1 0 16,-34 0 0,-34 0-16,1 0 15,-1 0-15,34 0 16,1 0-16,-69-34 15,69 34-15,-1-68 16,0 35-16,0-1 16,-33-34-16,67 68 15,-34-68-15,0 34 16,35 1-16,33-1 16,-34 0-1</inkml:trace>
+  </inkml:traceGroup>
+</inkml:ink>
+</file>
+
+<file path=ppt/ink/ink10.xml><?xml version="1.0" encoding="utf-8"?>
+<inkml:ink xmlns:inkml="http://www.w3.org/2003/InkML">
+  <inkml:definitions>
+    <inkml:context xml:id="ctx0">
+      <inkml:inkSource xml:id="inkSrc0">
+        <inkml:traceFormat>
+          <inkml:channel name="X" type="integer" max="1920" units="cm"/>
+          <inkml:channel name="Y" type="integer" max="1080" units="cm"/>
+          <inkml:channel name="T" type="integer" max="2.14748E9" units="dev"/>
+        </inkml:traceFormat>
+        <inkml:channelProperties>
+          <inkml:channelProperty channel="X" name="resolution" value="36.85221" units="1/cm"/>
+          <inkml:channelProperty channel="Y" name="resolution" value="36.86007" units="1/cm"/>
+          <inkml:channelProperty channel="T" name="resolution" value="1" units="1/dev"/>
+        </inkml:channelProperties>
+      </inkml:inkSource>
+      <inkml:timestamp xml:id="ts0" timeString="2021-05-06T06:56:36.880"/>
+    </inkml:context>
+    <inkml:brush xml:id="br0">
+      <inkml:brushProperty name="width" value="0.06667" units="cm"/>
+      <inkml:brushProperty name="height" value="0.06667" units="cm"/>
+      <inkml:brushProperty name="color" value="#ED1C24"/>
+      <inkml:brushProperty name="fitToCurve" value="1"/>
+    </inkml:brush>
+  </inkml:definitions>
+  <inkml:traceGroup>
+    <inkml:annotationXML>
+      <emma:emma xmlns:emma="http://www.w3.org/2003/04/emma" version="1.0">
+        <emma:interpretation id="{F1128718-EC8B-4A72-A838-5E6292BB6898}" emma:medium="tactile" emma:mode="ink">
+          <msink:context xmlns:msink="http://schemas.microsoft.com/ink/2010/main" type="inkDrawing" rotatedBoundingBox="14400,568 14457,874 14416,882 14359,575" shapeName="Other">
+            <msink:destinationLink direction="with" ref="{87EE6508-2B86-4514-8D6A-A93E3B46272D}"/>
+          </msink:context>
+        </emma:interpretation>
+      </emma:emma>
+    </inkml:annotationXML>
+    <inkml:trace contextRef="#ctx0" brushRef="#br0">1524-1825 0,'34'0'63,"-34"34"-48,0-1-15,0 1 16,34 0-1,-34 0 1,0 0 0,0 0-1,0 0 1,0-1 0</inkml:trace>
+  </inkml:traceGroup>
+</inkml:ink>
+</file>
+
+<file path=ppt/ink/ink11.xml><?xml version="1.0" encoding="utf-8"?>
+<inkml:ink xmlns:inkml="http://www.w3.org/2003/InkML">
+  <inkml:definitions>
+    <inkml:context xml:id="ctx0">
+      <inkml:inkSource xml:id="inkSrc0">
+        <inkml:traceFormat>
+          <inkml:channel name="X" type="integer" max="1920" units="cm"/>
+          <inkml:channel name="Y" type="integer" max="1080" units="cm"/>
+          <inkml:channel name="T" type="integer" max="2.14748E9" units="dev"/>
+        </inkml:traceFormat>
+        <inkml:channelProperties>
+          <inkml:channelProperty channel="X" name="resolution" value="36.85221" units="1/cm"/>
+          <inkml:channelProperty channel="Y" name="resolution" value="36.86007" units="1/cm"/>
+          <inkml:channelProperty channel="T" name="resolution" value="1" units="1/dev"/>
+        </inkml:channelProperties>
+      </inkml:inkSource>
+      <inkml:timestamp xml:id="ts0" timeString="2021-05-06T06:56:38.560"/>
+    </inkml:context>
+    <inkml:brush xml:id="br0">
+      <inkml:brushProperty name="width" value="0.06667" units="cm"/>
+      <inkml:brushProperty name="height" value="0.06667" units="cm"/>
+      <inkml:brushProperty name="color" value="#ED1C24"/>
+      <inkml:brushProperty name="fitToCurve" value="1"/>
+    </inkml:brush>
+  </inkml:definitions>
+  <inkml:traceGroup>
+    <inkml:annotationXML>
+      <emma:emma xmlns:emma="http://www.w3.org/2003/04/emma" version="1.0">
+        <emma:interpretation id="{87EE6508-2B86-4514-8D6A-A93E3B46272D}" emma:medium="tactile" emma:mode="ink">
+          <msink:context xmlns:msink="http://schemas.microsoft.com/ink/2010/main" type="inkDrawing" rotatedBoundingBox="14459,676 14481,2133 14414,2134 14393,677" semanticType="callout" shapeName="Other">
+            <msink:sourceLink direction="with" ref="{93C766B8-C122-4768-8CBF-12AD0845F524}"/>
+            <msink:sourceLink direction="with" ref="{F1128718-EC8B-4A72-A838-5E6292BB6898}"/>
+          </msink:context>
+        </emma:interpretation>
+      </emma:emma>
+    </inkml:annotationXML>
+    <inkml:trace contextRef="#ctx0" brushRef="#br0">1558-1724 0,'34'0'32,"-34"34"-17,34 0-15,-34 0 16,0 67-16,0-67 15,0 0-15,0 34 16,0 0-16,0-1 16,0-33-16,0 68 15,0-34-15,0-1 16,0 1-16,0-34 16,0 68-16,0-69 15,0 1-15,0 0 16,0 34-16,0-34 15,0 0-15,0-1 16,0 1-16,0 0 16,0 0-16,0 0 31,0 0-31,0 34 47</inkml:trace>
+  </inkml:traceGroup>
+</inkml:ink>
+</file>
+
+<file path=ppt/ink/ink12.xml><?xml version="1.0" encoding="utf-8"?>
+<inkml:ink xmlns:inkml="http://www.w3.org/2003/InkML">
+  <inkml:definitions>
+    <inkml:context xml:id="ctx0">
+      <inkml:inkSource xml:id="inkSrc0">
+        <inkml:traceFormat>
+          <inkml:channel name="X" type="integer" max="1920" units="cm"/>
+          <inkml:channel name="Y" type="integer" max="1080" units="cm"/>
+          <inkml:channel name="T" type="integer" max="2.14748E9" units="dev"/>
+        </inkml:traceFormat>
+        <inkml:channelProperties>
+          <inkml:channelProperty channel="X" name="resolution" value="36.85221" units="1/cm"/>
+          <inkml:channelProperty channel="Y" name="resolution" value="36.86007" units="1/cm"/>
+          <inkml:channelProperty channel="T" name="resolution" value="1" units="1/dev"/>
+        </inkml:channelProperties>
+      </inkml:inkSource>
+      <inkml:timestamp xml:id="ts0" timeString="2021-05-06T06:56:43.504"/>
+    </inkml:context>
+    <inkml:brush xml:id="br0">
+      <inkml:brushProperty name="width" value="0.06667" units="cm"/>
+      <inkml:brushProperty name="height" value="0.06667" units="cm"/>
+      <inkml:brushProperty name="color" value="#ED1C24"/>
+      <inkml:brushProperty name="fitToCurve" value="1"/>
+    </inkml:brush>
+  </inkml:definitions>
+  <inkml:traceGroup>
+    <inkml:annotationXML>
+      <emma:emma xmlns:emma="http://www.w3.org/2003/04/emma" version="1.0">
+        <emma:interpretation id="{93C766B8-C122-4768-8CBF-12AD0845F524}" emma:medium="tactile" emma:mode="ink">
+          <msink:context xmlns:msink="http://schemas.microsoft.com/ink/2010/main" type="inkDrawing" rotatedBoundingBox="14731,2280 16830,2242 16831,2274 14732,2312" shapeName="Other">
+            <msink:destinationLink direction="with" ref="{87EE6508-2B86-4514-8D6A-A93E3B46272D}"/>
+          </msink:context>
+        </emma:interpretation>
+      </emma:emma>
+    </inkml:annotationXML>
+    <inkml:trace contextRef="#ctx0" brushRef="#br0">1897-98 0,'67'0'31,"-33"0"-15,34 0-16,34 0 15,-1 0-15,69 0 16,-69-34-16,35 34 16,-35 0-16,69 0 15,-35 0-15,34 0 16,-67 0-16,33 0 16,1 0-16,-34 0 15,-1 0-15,1 0 16,-68 0-1,-1 0-15</inkml:trace>
+  </inkml:traceGroup>
+</inkml:ink>
+</file>
+
+<file path=ppt/ink/ink13.xml><?xml version="1.0" encoding="utf-8"?>
+<inkml:ink xmlns:inkml="http://www.w3.org/2003/InkML">
+  <inkml:definitions>
+    <inkml:context xml:id="ctx0">
+      <inkml:inkSource xml:id="inkSrc0">
+        <inkml:traceFormat>
+          <inkml:channel name="X" type="integer" max="1920" units="cm"/>
+          <inkml:channel name="Y" type="integer" max="1080" units="cm"/>
+          <inkml:channel name="T" type="integer" max="2.14748E9" units="dev"/>
+        </inkml:traceFormat>
+        <inkml:channelProperties>
+          <inkml:channelProperty channel="X" name="resolution" value="36.85221" units="1/cm"/>
+          <inkml:channelProperty channel="Y" name="resolution" value="36.86007" units="1/cm"/>
+          <inkml:channelProperty channel="T" name="resolution" value="1" units="1/dev"/>
+        </inkml:channelProperties>
+      </inkml:inkSource>
+      <inkml:timestamp xml:id="ts0" timeString="2021-05-06T06:56:44.856"/>
+    </inkml:context>
+    <inkml:brush xml:id="br0">
+      <inkml:brushProperty name="width" value="0.06667" units="cm"/>
+      <inkml:brushProperty name="height" value="0.06667" units="cm"/>
+      <inkml:brushProperty name="color" value="#ED1C24"/>
+      <inkml:brushProperty name="fitToCurve" value="1"/>
+    </inkml:brush>
+  </inkml:definitions>
+  <inkml:traceGroup>
+    <inkml:annotationXML>
+      <emma:emma xmlns:emma="http://www.w3.org/2003/04/emma" version="1.0">
+        <emma:interpretation id="{B05F246B-6D61-4757-875F-5B7653F8443E}" emma:medium="tactile" emma:mode="ink">
+          <msink:context xmlns:msink="http://schemas.microsoft.com/ink/2010/main" type="inkDrawing" rotatedBoundingBox="12835,2540 14018,2382 14026,2442 12842,2599" shapeName="Other"/>
+        </emma:interpretation>
+      </emma:emma>
+    </inkml:annotationXML>
+    <inkml:trace contextRef="#ctx0" brushRef="#br0">0 139 0,'68'0'46,"34"0"-46,-35 0 16,1 0-16,34-34 16,-1 34-16,35 0 15,-69 0-15,69-68 16,-102 68-16,33 0 16,-33 0-16,0 0 15,34-34-15,-34 34 16,0 0-1,0 0-15</inkml:trace>
+  </inkml:traceGroup>
+</inkml:ink>
+</file>
+
+<file path=ppt/ink/ink14.xml><?xml version="1.0" encoding="utf-8"?>
+<inkml:ink xmlns:inkml="http://www.w3.org/2003/InkML">
+  <inkml:definitions>
+    <inkml:context xml:id="ctx0">
+      <inkml:inkSource xml:id="inkSrc0">
+        <inkml:traceFormat>
+          <inkml:channel name="X" type="integer" max="1920" units="cm"/>
+          <inkml:channel name="Y" type="integer" max="1080" units="cm"/>
+          <inkml:channel name="T" type="integer" max="2.14748E9" units="dev"/>
+        </inkml:traceFormat>
+        <inkml:channelProperties>
+          <inkml:channelProperty channel="X" name="resolution" value="36.85221" units="1/cm"/>
+          <inkml:channelProperty channel="Y" name="resolution" value="36.86007" units="1/cm"/>
+          <inkml:channelProperty channel="T" name="resolution" value="1" units="1/dev"/>
+        </inkml:channelProperties>
+      </inkml:inkSource>
+      <inkml:timestamp xml:id="ts0" timeString="2021-05-06T06:56:47.513"/>
+    </inkml:context>
+    <inkml:brush xml:id="br0">
+      <inkml:brushProperty name="width" value="0.06667" units="cm"/>
+      <inkml:brushProperty name="height" value="0.06667" units="cm"/>
+      <inkml:brushProperty name="color" value="#ED1C24"/>
+      <inkml:brushProperty name="fitToCurve" value="1"/>
+    </inkml:brush>
+  </inkml:definitions>
+  <inkml:traceGroup>
+    <inkml:annotationXML>
+      <emma:emma xmlns:emma="http://www.w3.org/2003/04/emma" version="1.0">
+        <emma:interpretation id="{4998573C-F1D8-4154-9837-3EE9C474A679}" emma:medium="tactile" emma:mode="ink">
+          <msink:context xmlns:msink="http://schemas.microsoft.com/ink/2010/main" type="writingRegion" rotatedBoundingBox="15762,2183 16476,2892 15919,3453 15205,2744"/>
+        </emma:interpretation>
+      </emma:emma>
+    </inkml:annotationXML>
+    <inkml:traceGroup>
+      <inkml:annotationXML>
+        <emma:emma xmlns:emma="http://www.w3.org/2003/04/emma" version="1.0">
+          <emma:interpretation id="{7DC9C588-6F43-41DA-B509-95D5B9E173A2}" emma:medium="tactile" emma:mode="ink">
+            <msink:context xmlns:msink="http://schemas.microsoft.com/ink/2010/main" type="paragraph" rotatedBoundingBox="15762,2183 16476,2892 15919,3453 15205,2744" alignmentLevel="1"/>
+          </emma:interpretation>
+        </emma:emma>
+      </inkml:annotationXML>
+      <inkml:traceGroup>
+        <inkml:annotationXML>
+          <emma:emma xmlns:emma="http://www.w3.org/2003/04/emma" version="1.0">
+            <emma:interpretation id="{56EE1153-04E8-4D98-AA8D-739AF8EB95FE}" emma:medium="tactile" emma:mode="ink">
+              <msink:context xmlns:msink="http://schemas.microsoft.com/ink/2010/main" type="line" rotatedBoundingBox="15762,2183 16476,2892 15919,3453 15205,2744"/>
+            </emma:interpretation>
+          </emma:emma>
+        </inkml:annotationXML>
+        <inkml:traceGroup>
+          <inkml:annotationXML>
+            <emma:emma xmlns:emma="http://www.w3.org/2003/04/emma" version="1.0">
+              <emma:interpretation id="{59F8EC25-9039-4EDF-A0D4-EAC11460366C}" emma:medium="tactile" emma:mode="ink">
+                <msink:context xmlns:msink="http://schemas.microsoft.com/ink/2010/main" type="inkWord" rotatedBoundingBox="15762,2183 16289,2706 15733,3267 15205,2744"/>
+              </emma:interpretation>
+              <emma:one-of disjunction-type="recognition" id="oneOf0">
+                <emma:interpretation id="interp0" emma:lang="" emma:confidence="1">
+                  <emma:literal/>
+                </emma:interpretation>
+              </emma:one-of>
+            </emma:emma>
+          </inkml:annotationXML>
+          <inkml:trace contextRef="#ctx0" brushRef="#br0">508-25 0,'0'34'32,"34"-34"-32,-34 34 15,0 0-15,0-1 16,0 1-1,0 0-15</inkml:trace>
+          <inkml:trace contextRef="#ctx0" brushRef="#br0" timeOffset="407.0304">576 144 0,'34'-34'46,"0"34"-30,0 0 0,0 0-1,0 0 17</inkml:trace>
+          <inkml:trace contextRef="#ctx0" brushRef="#br0" timeOffset="742.4479">746-93 0,'0'34'16,"0"0"0,33 68-16,-33-69 15,0 35-15,0-34 16,0 0-16,0 0 15,0 33 1</inkml:trace>
+          <inkml:trace contextRef="#ctx0" brushRef="#br0" timeOffset="-593.707">136 280 0,'-68'0'15,"68"34"63,0-1-62,68 1-16,-34-34 16,0 0-1,0 0-15,-34 34 16,33-34-1,1 0 1,0 0 0,-34-34-1,34 0 1,-34 1 0,0-1-16,0 0 15,0 0 1,0 0-16,0 0 15,0 0 1,0 1 0,-34 33-1,34-34-15,-34 34 16,-33 0 0,67-34-16,-34 34 0,0 0 31,0 0-31,0 0 31,0 0 0,34 34-15,-34-34 0,34 34-1,0-1 1,0 35 15,-34-68-31,34 34 16,0 0 31,34 0-16,0 0-16,-34-1 1,34-33-16,-34 34 16</inkml:trace>
+        </inkml:traceGroup>
+        <inkml:traceGroup>
+          <inkml:annotationXML>
+            <emma:emma xmlns:emma="http://www.w3.org/2003/04/emma" version="1.0">
+              <emma:interpretation id="{4EFE2480-C665-4D67-9149-D3C6901E5918}" emma:medium="tactile" emma:mode="ink">
+                <msink:context xmlns:msink="http://schemas.microsoft.com/ink/2010/main" type="inkWord" rotatedBoundingBox="15967,2894 16222,3148 15951,3420 15696,3167"/>
+              </emma:interpretation>
+              <emma:one-of disjunction-type="recognition" id="oneOf1">
+                <emma:interpretation id="interp1" emma:lang="" emma:confidence="0">
+                  <emma:literal>으</emma:literal>
+                </emma:interpretation>
+                <emma:interpretation id="interp2" emma:lang="" emma:confidence="0">
+                  <emma:literal>×</emma:literal>
+                </emma:interpretation>
+                <emma:interpretation id="interp3" emma:lang="" emma:confidence="0">
+                  <emma:literal>크</emma:literal>
+                </emma:interpretation>
+                <emma:interpretation id="interp4" emma:lang="" emma:confidence="0">
+                  <emma:literal>브</emma:literal>
+                </emma:interpretation>
+                <emma:interpretation id="interp5" emma:lang="" emma:confidence="0">
+                  <emma:literal>〇</emma:literal>
+                </emma:interpretation>
+              </emma:one-of>
+            </emma:emma>
+          </inkml:annotationXML>
+          <inkml:trace contextRef="#ctx0" brushRef="#br0" timeOffset="1830.2129">508 483 0,'0'34'31,"0"0"-15,0 0-16,0-1 15,0 1 1,0 0-16,0 0 16,34-34-1,-34 34 17,34-34-1,0 0-16,0 0 32,0 0 0,0 0 0,0 0 141,-34-34-173,0 0 1,0 0-16,0 0 15,0-33 1,0 33 0,0 0-16,0 0 15,0 0-15,-34 0 16</inkml:trace>
+          <inkml:trace contextRef="#ctx0" brushRef="#br0" timeOffset="2518.3228">508 686 0,'34'0'16,"0"0"15,0 0 0,0 0 0,0 0 1,0-34-1,0 34 31,-1 0-46</inkml:trace>
+        </inkml:traceGroup>
+      </inkml:traceGroup>
+    </inkml:traceGroup>
+  </inkml:traceGroup>
+</inkml:ink>
+</file>
+
+<file path=ppt/ink/ink15.xml><?xml version="1.0" encoding="utf-8"?>
+<inkml:ink xmlns:inkml="http://www.w3.org/2003/InkML">
+  <inkml:definitions>
+    <inkml:context xml:id="ctx0">
+      <inkml:inkSource xml:id="inkSrc0">
+        <inkml:traceFormat>
+          <inkml:channel name="X" type="integer" max="1920" units="cm"/>
+          <inkml:channel name="Y" type="integer" max="1080" units="cm"/>
+          <inkml:channel name="T" type="integer" max="2.14748E9" units="dev"/>
+        </inkml:traceFormat>
+        <inkml:channelProperties>
+          <inkml:channelProperty channel="X" name="resolution" value="36.85221" units="1/cm"/>
+          <inkml:channelProperty channel="Y" name="resolution" value="36.86007" units="1/cm"/>
+          <inkml:channelProperty channel="T" name="resolution" value="1" units="1/dev"/>
+        </inkml:channelProperties>
+      </inkml:inkSource>
+      <inkml:timestamp xml:id="ts0" timeString="2021-05-06T06:57:03.623"/>
+    </inkml:context>
+    <inkml:brush xml:id="br0">
+      <inkml:brushProperty name="width" value="0.06667" units="cm"/>
+      <inkml:brushProperty name="height" value="0.06667" units="cm"/>
+      <inkml:brushProperty name="color" value="#ED1C24"/>
+      <inkml:brushProperty name="fitToCurve" value="1"/>
+    </inkml:brush>
+  </inkml:definitions>
+  <inkml:traceGroup>
+    <inkml:annotationXML>
+      <emma:emma xmlns:emma="http://www.w3.org/2003/04/emma" version="1.0">
+        <emma:interpretation id="{C6199E7F-6FB3-439C-89CD-40495F64007D}" emma:medium="tactile" emma:mode="ink">
+          <msink:context xmlns:msink="http://schemas.microsoft.com/ink/2010/main" type="inkDrawing" rotatedBoundingBox="6061,17566 12326,17492 12327,17558 6062,17632" shapeName="Other"/>
+        </emma:interpretation>
+      </emma:emma>
+    </inkml:annotationXML>
+    <inkml:trace contextRef="#ctx0" brushRef="#br0">0 154 0,'34'0'16,"0"0"-1,33 0 1,-33 0-16,0 0 16,68 0-16,-68 0 15,67 0-15,1 0 16,-1 0-16,35 0 16,-35 0-16,1 0 15,33 0-15,-33 0 16,0 0-16,-1 0 15,1 0-15,33 0 16,-101 0-16,68 0 16,67-68-16,-101 68 15,33 0-15,1 0 16,-34 0-16,0 0 16,-1 0-16,-33 0 15,0 0 1,0 0-16,34 0 15,-35 0 1,1 0-16,0 0 16,0 0-16,0 0 15,0 0-15,0 0 16,0 0-16,-1 0 31,1 0-15,0 0-1,0 0-15,34 0 16,-34 0-16,33 0 16,1 0-16,0 0 15,-34 0-15,67 0 16,-67 0-16,34 0 16,-34 0-16,0 0 15,-1 0-15,1 0 16,34 0 249,-34 0-265,0 0 16,67 0-16,-67 0 16,68 0-16,-34 0 15,33 0-15,-33 0 16,34 0-16,33 0 16,0 0-16,-67 0 15,0 0-15,0 0 16,-1 0-1,-33 0-15,34 0 16,0 0 0,-34 0-16,33 0 15,1 0-15,0 0 16,0 0-16,-1 0 16,1 0-16,0 0 15,-1 0-15,-33 0 16,0 0-16,0 0 15,0 0 1,0 0 0,34 0-1,-1 0 1,-33 0 0,0 0-1,0 0-15,0 0 16,0 0-1,33 0 1,-33 0 0</inkml:trace>
+  </inkml:traceGroup>
+</inkml:ink>
+</file>
+
+<file path=ppt/ink/ink16.xml><?xml version="1.0" encoding="utf-8"?>
+<inkml:ink xmlns:inkml="http://www.w3.org/2003/InkML">
+  <inkml:definitions>
+    <inkml:context xml:id="ctx0">
+      <inkml:inkSource xml:id="inkSrc0">
+        <inkml:traceFormat>
+          <inkml:channel name="X" type="integer" max="1920" units="cm"/>
+          <inkml:channel name="Y" type="integer" max="1080" units="cm"/>
+          <inkml:channel name="T" type="integer" max="2.14748E9" units="dev"/>
+        </inkml:traceFormat>
+        <inkml:channelProperties>
+          <inkml:channelProperty channel="X" name="resolution" value="36.85221" units="1/cm"/>
+          <inkml:channelProperty channel="Y" name="resolution" value="36.86007" units="1/cm"/>
+          <inkml:channelProperty channel="T" name="resolution" value="1" units="1/dev"/>
+        </inkml:channelProperties>
+      </inkml:inkSource>
+      <inkml:timestamp xml:id="ts0" timeString="2021-05-06T06:57:16.943"/>
+    </inkml:context>
+    <inkml:brush xml:id="br0">
+      <inkml:brushProperty name="width" value="0.06667" units="cm"/>
+      <inkml:brushProperty name="height" value="0.06667" units="cm"/>
+      <inkml:brushProperty name="color" value="#ED1C24"/>
+      <inkml:brushProperty name="fitToCurve" value="1"/>
+    </inkml:brush>
+  </inkml:definitions>
+  <inkml:traceGroup>
+    <inkml:annotationXML>
+      <emma:emma xmlns:emma="http://www.w3.org/2003/04/emma" version="1.0">
+        <emma:interpretation id="{C97E1998-C72F-4D4F-9152-0D0C59E347C8}" emma:medium="tactile" emma:mode="ink">
+          <msink:context xmlns:msink="http://schemas.microsoft.com/ink/2010/main" type="writingRegion" rotatedBoundingBox="19122,12996 21011,13094 20987,13560 19098,13462"/>
+        </emma:interpretation>
+      </emma:emma>
+    </inkml:annotationXML>
+    <inkml:traceGroup>
+      <inkml:annotationXML>
+        <emma:emma xmlns:emma="http://www.w3.org/2003/04/emma" version="1.0">
+          <emma:interpretation id="{20A5B5B9-33B9-4696-A2E9-AD93B47F9CA8}" emma:medium="tactile" emma:mode="ink">
+            <msink:context xmlns:msink="http://schemas.microsoft.com/ink/2010/main" type="paragraph" rotatedBoundingBox="19122,12996 21011,13094 20987,13560 19098,13462" alignmentLevel="1"/>
+          </emma:interpretation>
+        </emma:emma>
+      </inkml:annotationXML>
+      <inkml:traceGroup>
+        <inkml:annotationXML>
+          <emma:emma xmlns:emma="http://www.w3.org/2003/04/emma" version="1.0">
+            <emma:interpretation id="{A24FA437-BF7F-43BB-874C-18ADD9074E38}" emma:medium="tactile" emma:mode="ink">
+              <msink:context xmlns:msink="http://schemas.microsoft.com/ink/2010/main" type="line" rotatedBoundingBox="19122,12996 21011,13094 20987,13560 19098,13462"/>
+            </emma:interpretation>
+          </emma:emma>
+        </inkml:annotationXML>
+        <inkml:traceGroup>
+          <inkml:annotationXML>
+            <emma:emma xmlns:emma="http://www.w3.org/2003/04/emma" version="1.0">
+              <emma:interpretation id="{F41E2301-5285-4003-9F2D-4B9896EA2961}" emma:medium="tactile" emma:mode="ink">
+                <msink:context xmlns:msink="http://schemas.microsoft.com/ink/2010/main" type="inkWord" rotatedBoundingBox="19122,12996 20628,13074 20605,13523 19099,13444"/>
+              </emma:interpretation>
+              <emma:one-of disjunction-type="recognition" id="oneOf0">
+                <emma:interpretation id="interp0" emma:lang="" emma:confidence="1">
+                  <emma:literal/>
+                </emma:interpretation>
+              </emma:one-of>
+            </emma:emma>
+          </inkml:annotationXML>
+          <inkml:trace contextRef="#ctx0" brushRef="#br0">1253 33 0,'0'34'31,"0"34"-16,0 0-15,0-34 16,33 33-16,-33-33 16,68 0-16,-68 0 31,34-34 31,0 0-46,-34-34-16,0 0 16,34-33-16,0-1 31,-34 34-15,0 0-16,34 0 31</inkml:trace>
+          <inkml:trace contextRef="#ctx0" brushRef="#br0" timeOffset="-1792.2154">33 0 0,'34'0'16,"0"0"-1,34 0-15,33 0 16,1 0-16,0 0 16,-1 0-16,1 0 15,-34 0-15,-35 0 16,35 0-16,-102 0 125,0 0-110,1 0 17,-1 67-32,0-67 15,0 34 1,0 34-16,34-34 16,0 0-1,-34 0 1,34-1-16,-34 1 15,1-34 1,-1 34 0,-34-34-16,34 0 15,0 34 1,0-34-16,0 0 16,-33 0-1,33 0-15,0 0 16,0 0-16,0 0 15,0 0 1,1 0 0,33-34 31</inkml:trace>
+          <inkml:trace contextRef="#ctx0" brushRef="#br0" timeOffset="-662.47">1049 169 0,'-33'0'16,"-1"0"-1,0 0 1,0 0-16,0 0 15,0 0-15,0 0 16,0 0-16,1 0 16,33 34 46,0 34-46,33-35 15,35-33-15,-68 34-1,34-34 1,0 0 0,0 0-1,0 0 1,0 0 15,-1 0 0,-33-34-15,0 1 0,0-1 15,34 68 63,-34-1-94,0 1 15,34 0-15,0 0 31,-34 0 1,34-34-1,0 0-15,-34-34-1</inkml:trace>
+        </inkml:traceGroup>
+        <inkml:traceGroup>
+          <inkml:annotationXML>
+            <emma:emma xmlns:emma="http://www.w3.org/2003/04/emma" version="1.0">
+              <emma:interpretation id="{8B3660B1-D9A4-4D28-B573-FF95FB5BE01C}" emma:medium="tactile" emma:mode="ink">
+                <msink:context xmlns:msink="http://schemas.microsoft.com/ink/2010/main" type="inkWord" rotatedBoundingBox="20727,13138 21008,13152 20987,13560 20706,13545"/>
+              </emma:interpretation>
+              <emma:one-of disjunction-type="recognition" id="oneOf1">
+                <emma:interpretation id="interp1" emma:lang="" emma:confidence="0">
+                  <emma:literal>U</emma:literal>
+                </emma:interpretation>
+                <emma:interpretation id="interp2" emma:lang="" emma:confidence="0">
+                  <emma:literal>나</emma:literal>
+                </emma:interpretation>
+                <emma:interpretation id="interp3" emma:lang="" emma:confidence="0">
+                  <emma:literal>d</emma:literal>
+                </emma:interpretation>
+                <emma:interpretation id="interp4" emma:lang="" emma:confidence="0">
+                  <emma:literal>u</emma:literal>
+                </emma:interpretation>
+                <emma:interpretation id="interp5" emma:lang="" emma:confidence="0">
+                  <emma:literal>r</emma:literal>
+                </emma:interpretation>
+              </emma:one-of>
+            </emma:emma>
+          </inkml:annotationXML>
+          <inkml:trace contextRef="#ctx0" brushRef="#br0" timeOffset="1183.7254">1659 101 0,'-34'34'94,"34"0"-63,0 0-15,0 0-1,0 0-15,0-1 16,0 35-16,0-34 15,0 34 1,0-34 47,34-34-63,0 0 62,0-34-46,-34 0-16,0-34 15,0 34 1,0 0-16,0 1 16,0-1-16,0 0 15,0 0 1,0 0 15,0 68 94,34 34-125,-1-68 16,-33 34-16,34-1 15,0 1 1,0-34 31</inkml:trace>
+        </inkml:traceGroup>
+      </inkml:traceGroup>
+    </inkml:traceGroup>
+  </inkml:traceGroup>
+</inkml:ink>
+</file>
+
+<file path=ppt/ink/ink17.xml><?xml version="1.0" encoding="utf-8"?>
+<inkml:ink xmlns:inkml="http://www.w3.org/2003/InkML">
+  <inkml:definitions>
+    <inkml:context xml:id="ctx0">
+      <inkml:inkSource xml:id="inkSrc0">
+        <inkml:traceFormat>
+          <inkml:channel name="X" type="integer" max="1920" units="cm"/>
+          <inkml:channel name="Y" type="integer" max="1080" units="cm"/>
+          <inkml:channel name="T" type="integer" max="2.14748E9" units="dev"/>
+        </inkml:traceFormat>
+        <inkml:channelProperties>
+          <inkml:channelProperty channel="X" name="resolution" value="36.85221" units="1/cm"/>
+          <inkml:channelProperty channel="Y" name="resolution" value="36.86007" units="1/cm"/>
+          <inkml:channelProperty channel="T" name="resolution" value="1" units="1/dev"/>
+        </inkml:channelProperties>
+      </inkml:inkSource>
+      <inkml:timestamp xml:id="ts0" timeString="2021-05-06T06:58:22.519"/>
+    </inkml:context>
+    <inkml:brush xml:id="br0">
+      <inkml:brushProperty name="width" value="0.06667" units="cm"/>
+      <inkml:brushProperty name="height" value="0.06667" units="cm"/>
+      <inkml:brushProperty name="color" value="#ED1C24"/>
+      <inkml:brushProperty name="fitToCurve" value="1"/>
+    </inkml:brush>
+  </inkml:definitions>
+  <inkml:traceGroup>
+    <inkml:annotationXML>
+      <emma:emma xmlns:emma="http://www.w3.org/2003/04/emma" version="1.0">
+        <emma:interpretation id="{B34A8FB1-2CDF-43BE-A2D6-5F8216424C85}" emma:medium="tactile" emma:mode="ink">
+          <msink:context xmlns:msink="http://schemas.microsoft.com/ink/2010/main" type="inkDrawing" rotatedBoundingBox="1698,7345 1861,11176 1474,11192 1310,7362" semanticType="verticalRange" shapeName="Other">
+            <msink:sourceLink direction="with" ref="{D6EBCA7A-1C0E-4233-A25B-E137095F30DC}"/>
+          </msink:context>
+        </emma:interpretation>
+      </emma:emma>
+    </inkml:annotationXML>
+    <inkml:trace contextRef="#ctx0" brushRef="#br0">239 0 0,'0'34'32,"0"0"-32,0 33 15,0-33-15,0 68 16,-34 0-16,34-1 15,-33 35-15,-1-35 16,0 1-16,34-34 16,0 33-16,-68 1 15,68-1-15,0 69 16,0-103-16,0 35 16,0 33-16,0 1 15,0-1-15,0 1 16,0-1-1,0-33-15,0 0 16,0 33-16,0-67 16,34 67-16,0-67 15,0 34-15,-34-1 16,34-33-16,-1-34 16,-33 67-16,34-67 15,0 68-15,0-34 16,-34-1-16,34 1 15,0 0-15,0-34 16,-34 33-16,34-33 16,-34 0-1,33 0-15</inkml:trace>
+  </inkml:traceGroup>
+</inkml:ink>
+</file>
+
+<file path=ppt/ink/ink18.xml><?xml version="1.0" encoding="utf-8"?>
+<inkml:ink xmlns:inkml="http://www.w3.org/2003/InkML">
+  <inkml:definitions>
+    <inkml:context xml:id="ctx0">
+      <inkml:inkSource xml:id="inkSrc0">
+        <inkml:traceFormat>
+          <inkml:channel name="X" type="integer" max="1920" units="cm"/>
+          <inkml:channel name="Y" type="integer" max="1080" units="cm"/>
+          <inkml:channel name="T" type="integer" max="2.14748E9" units="dev"/>
+        </inkml:traceFormat>
+        <inkml:channelProperties>
+          <inkml:channelProperty channel="X" name="resolution" value="36.85221" units="1/cm"/>
+          <inkml:channelProperty channel="Y" name="resolution" value="36.86007" units="1/cm"/>
+          <inkml:channelProperty channel="T" name="resolution" value="1" units="1/dev"/>
+        </inkml:channelProperties>
+      </inkml:inkSource>
+      <inkml:timestamp xml:id="ts0" timeString="2021-05-06T06:58:30.391"/>
+    </inkml:context>
+    <inkml:brush xml:id="br0">
+      <inkml:brushProperty name="width" value="0.06667" units="cm"/>
+      <inkml:brushProperty name="height" value="0.06667" units="cm"/>
+      <inkml:brushProperty name="color" value="#ED1C24"/>
+      <inkml:brushProperty name="fitToCurve" value="1"/>
+    </inkml:brush>
+  </inkml:definitions>
+  <inkml:traceGroup>
+    <inkml:annotationXML>
+      <emma:emma xmlns:emma="http://www.w3.org/2003/04/emma" version="1.0">
+        <emma:interpretation id="{D6EBCA7A-1C0E-4233-A25B-E137095F30DC}" emma:medium="tactile" emma:mode="ink">
+          <msink:context xmlns:msink="http://schemas.microsoft.com/ink/2010/main" type="writingRegion" rotatedBoundingBox="1693,9279 2032,9279 2032,10295 1693,10295">
+            <msink:destinationLink direction="with" ref="{B34A8FB1-2CDF-43BE-A2D6-5F8216424C85}"/>
+          </msink:context>
+        </emma:interpretation>
+      </emma:emma>
+    </inkml:annotationXML>
+    <inkml:traceGroup>
+      <inkml:annotationXML>
+        <emma:emma xmlns:emma="http://www.w3.org/2003/04/emma" version="1.0">
+          <emma:interpretation id="{4D0F8246-EB62-428A-8946-F3438A9477B9}" emma:medium="tactile" emma:mode="ink">
+            <msink:context xmlns:msink="http://schemas.microsoft.com/ink/2010/main" type="paragraph" rotatedBoundingBox="1693,9279 2032,9279 2032,10295 1693,10295" alignmentLevel="1"/>
+          </emma:interpretation>
+        </emma:emma>
+      </inkml:annotationXML>
+      <inkml:traceGroup>
+        <inkml:annotationXML>
+          <emma:emma xmlns:emma="http://www.w3.org/2003/04/emma" version="1.0">
+            <emma:interpretation id="{5BABE5D8-152E-448B-95CC-29C54290081F}" emma:medium="tactile" emma:mode="ink">
+              <msink:context xmlns:msink="http://schemas.microsoft.com/ink/2010/main" type="line" rotatedBoundingBox="1693,9279 2032,9279 2032,10295 1693,10295"/>
+            </emma:interpretation>
+          </emma:emma>
+        </inkml:annotationXML>
+        <inkml:traceGroup>
+          <inkml:annotationXML>
+            <emma:emma xmlns:emma="http://www.w3.org/2003/04/emma" version="1.0">
+              <emma:interpretation id="{B2C38E90-5656-4DFE-A295-9358A9482269}" emma:medium="tactile" emma:mode="ink">
+                <msink:context xmlns:msink="http://schemas.microsoft.com/ink/2010/main" type="inkWord" rotatedBoundingBox="1693,9279 2032,9279 2032,10295 1693,10295"/>
+              </emma:interpretation>
+              <emma:one-of disjunction-type="recognition" id="oneOf0">
+                <emma:interpretation id="interp0" emma:lang="" emma:confidence="0">
+                  <emma:literal>(</emma:literal>
+                </emma:interpretation>
+                <emma:interpretation id="interp1" emma:lang="" emma:confidence="0">
+                  <emma:literal>〔</emma:literal>
+                </emma:interpretation>
+                <emma:interpretation id="interp2" emma:lang="" emma:confidence="0">
+                  <emma:literal>[</emma:literal>
+                </emma:interpretation>
+                <emma:interpretation id="interp3" emma:lang="" emma:confidence="0">
+                  <emma:literal>〈</emma:literal>
+                </emma:interpretation>
+                <emma:interpretation id="interp4" emma:lang="" emma:confidence="0">
+                  <emma:literal>{</emma:literal>
+                </emma:interpretation>
+              </emma:one-of>
+            </emma:emma>
+          </inkml:annotationXML>
+          <inkml:trace contextRef="#ctx0" brushRef="#br0">240 0 0,'0'34'0,"0"0"47,-34-34-16,34 34-15,0 0 0,-34-34-1,1 34 1,-1 0 15,34-1 0,0 1-15,-34-34 0,34 34-16,0 0 15,0 0 1,-34 0 15,34 0-15,0 0-16,-34-34 15,34 33 1,0 1 31,0 0-16,0 0-31,0 0 16,0 0-1,0 0 17,34-1-17,-34 1 32,0 0-16,0 0-15,34-34 0,-34 34-16,0 0 31,34-34 16,0 0 0,-34 34-32,33-34 1,1 0 15,-34 34-15,34-34 15,0 0-15,0 33 15,0-33-15</inkml:trace>
+        </inkml:traceGroup>
+      </inkml:traceGroup>
+    </inkml:traceGroup>
+  </inkml:traceGroup>
+</inkml:ink>
+</file>
+
+<file path=ppt/ink/ink19.xml><?xml version="1.0" encoding="utf-8"?>
+<inkml:ink xmlns:inkml="http://www.w3.org/2003/InkML">
+  <inkml:definitions>
+    <inkml:context xml:id="ctx0">
+      <inkml:inkSource xml:id="inkSrc0">
+        <inkml:traceFormat>
+          <inkml:channel name="X" type="integer" max="1920" units="cm"/>
+          <inkml:channel name="Y" type="integer" max="1080" units="cm"/>
+          <inkml:channel name="T" type="integer" max="2.14748E9" units="dev"/>
+        </inkml:traceFormat>
+        <inkml:channelProperties>
+          <inkml:channelProperty channel="X" name="resolution" value="36.85221" units="1/cm"/>
+          <inkml:channelProperty channel="Y" name="resolution" value="36.86007" units="1/cm"/>
+          <inkml:channelProperty channel="T" name="resolution" value="1" units="1/dev"/>
+        </inkml:channelProperties>
+      </inkml:inkSource>
+      <inkml:timestamp xml:id="ts0" timeString="2021-05-06T06:58:04.871"/>
+    </inkml:context>
+    <inkml:brush xml:id="br0">
+      <inkml:brushProperty name="width" value="0.06667" units="cm"/>
+      <inkml:brushProperty name="height" value="0.06667" units="cm"/>
+      <inkml:brushProperty name="color" value="#ED1C24"/>
+      <inkml:brushProperty name="fitToCurve" value="1"/>
+    </inkml:brush>
+  </inkml:definitions>
+  <inkml:traceGroup>
+    <inkml:annotationXML>
+      <emma:emma xmlns:emma="http://www.w3.org/2003/04/emma" version="1.0">
+        <emma:interpretation id="{8C917D80-4833-437E-815B-520B35732E7B}" emma:medium="tactile" emma:mode="ink">
+          <msink:context xmlns:msink="http://schemas.microsoft.com/ink/2010/main" type="inkDrawing" rotatedBoundingBox="10973,698 14234,795 14181,2595 10920,2498" hotPoints="14136,810 14207,2355 11112,2497 11042,952" semanticType="enclosure" shapeName="Rectangle"/>
+        </emma:interpretation>
+      </emma:emma>
+    </inkml:annotationXML>
+    <inkml:trace contextRef="#ctx0" brushRef="#br0">1151 1592 0,'271'0'16,"-34"0"-16,0 0 15,0 0-15,-34 0 16,68 0-16,-101 0 15,-69 0-15,35 0 16,-102 0-16,-1 0 16,1 0-16,0 0 93,0 0-77,0 0 140,-34-136-156,0 35 16,0-102-16,0 67 16,0-33-16,0 33 15,0 1-15,-34 33 16,34 35-16,0-35 15,0 68-15,0 0 16,-34 0 0,34 0-16,-34 1 62,0 33-31,-33 0-15,-1 33 0,-34-33-16,35 0 15,-35 0-15,-67 0 16,-1 0-16,35 0 16,-68 0-16,-1 0 15,1 0-15,-34-33 16,34-1-16,-34 0 15,34 34-15,33-34 16,35 0-16,33 34 16,35 0-16,33 0 15,0 0-15,0 0 16,0 0 0,0 0-1,0 0 1,1 0 124,33 34-124,0 68 0,0-1-16,33 35 15,-33-1-15,34 1 16,-34-35-16,34 1 16,-34-1-16,0 1 15,68 33-15,-68-33 16,0-34-16,0 0 15,34 33-15,-34-67 16,0 34-16,0-1 16,0 1-1,0-34 17,34-34 124,-1 0-141,69 0-15,0 0 16,33-34-16,34 0 16,1 0-16,67 34 15,-34-33-15,-34-1 16,1 34-16,-35-68 16,1 68-16,-102 0 15,67 0-15,-33-34 16</inkml:trace>
+  </inkml:traceGroup>
+</inkml:ink>
+</file>
+
+<file path=ppt/ink/ink2.xml><?xml version="1.0" encoding="utf-8"?>
+<inkml:ink xmlns:inkml="http://www.w3.org/2003/InkML">
+  <inkml:definitions>
+    <inkml:context xml:id="ctx0">
+      <inkml:inkSource xml:id="inkSrc0">
+        <inkml:traceFormat>
+          <inkml:channel name="X" type="integer" max="1920" units="cm"/>
+          <inkml:channel name="Y" type="integer" max="1080" units="cm"/>
+          <inkml:channel name="T" type="integer" max="2.14748E9" units="dev"/>
+        </inkml:traceFormat>
+        <inkml:channelProperties>
+          <inkml:channelProperty channel="X" name="resolution" value="36.85221" units="1/cm"/>
+          <inkml:channelProperty channel="Y" name="resolution" value="36.86007" units="1/cm"/>
+          <inkml:channelProperty channel="T" name="resolution" value="1" units="1/dev"/>
+        </inkml:channelProperties>
+      </inkml:inkSource>
+      <inkml:timestamp xml:id="ts0" timeString="2021-05-06T06:54:19.807"/>
+    </inkml:context>
+    <inkml:brush xml:id="br0">
+      <inkml:brushProperty name="width" value="0.06667" units="cm"/>
+      <inkml:brushProperty name="height" value="0.06667" units="cm"/>
+      <inkml:brushProperty name="color" value="#ED1C24"/>
+      <inkml:brushProperty name="fitToCurve" value="1"/>
+    </inkml:brush>
+  </inkml:definitions>
+  <inkml:traceGroup>
+    <inkml:annotationXML>
+      <emma:emma xmlns:emma="http://www.w3.org/2003/04/emma" version="1.0">
+        <emma:interpretation id="{3E10474C-B32A-47B8-9BD3-F4E07B139126}" emma:medium="tactile" emma:mode="ink">
+          <msink:context xmlns:msink="http://schemas.microsoft.com/ink/2010/main" type="writingRegion" rotatedBoundingBox="12287,9310 15711,11914 14529,13469 11105,10865">
+            <msink:destinationLink direction="with" ref="{FFC35406-D6FF-42FB-B51F-8E739DB25AD2}"/>
+          </msink:context>
+        </emma:interpretation>
+      </emma:emma>
+    </inkml:annotationXML>
+    <inkml:traceGroup>
+      <inkml:annotationXML>
+        <emma:emma xmlns:emma="http://www.w3.org/2003/04/emma" version="1.0">
+          <emma:interpretation id="{B1697A19-85AA-4650-BF1E-D0D8F7CC4935}" emma:medium="tactile" emma:mode="ink">
+            <msink:context xmlns:msink="http://schemas.microsoft.com/ink/2010/main" type="paragraph" rotatedBoundingBox="12287,9310 15711,11914 14529,13469 11105,10865" alignmentLevel="1"/>
+          </emma:interpretation>
+        </emma:emma>
+      </inkml:annotationXML>
+      <inkml:traceGroup>
+        <inkml:annotationXML>
+          <emma:emma xmlns:emma="http://www.w3.org/2003/04/emma" version="1.0">
+            <emma:interpretation id="{CA614955-1DBB-46E3-9494-73903B29ED34}" emma:medium="tactile" emma:mode="ink">
+              <msink:context xmlns:msink="http://schemas.microsoft.com/ink/2010/main" type="line" rotatedBoundingBox="12287,9310 15711,11914 14529,13469 11105,10865"/>
+            </emma:interpretation>
+          </emma:emma>
+        </inkml:annotationXML>
+        <inkml:traceGroup>
+          <inkml:annotationXML>
+            <emma:emma xmlns:emma="http://www.w3.org/2003/04/emma" version="1.0">
+              <emma:interpretation id="{C673625D-F2F1-4853-B011-53931D7C5316}" emma:medium="tactile" emma:mode="ink">
+                <msink:context xmlns:msink="http://schemas.microsoft.com/ink/2010/main" type="inkWord" rotatedBoundingBox="11338,10206 13255,10117 13306,11208 11389,11298"/>
+              </emma:interpretation>
+              <emma:one-of disjunction-type="recognition" id="oneOf0">
+                <emma:interpretation id="interp0" emma:lang="" emma:confidence="1">
+                  <emma:literal/>
+                </emma:interpretation>
+              </emma:one-of>
+            </emma:emma>
+          </inkml:annotationXML>
+          <inkml:trace contextRef="#ctx0" brushRef="#br0">2032-474 0,'34'0'16,"-1"0"-16,1 0 16,0 0 15,0 0-15,0 0-1,0-34 1</inkml:trace>
+          <inkml:trace contextRef="#ctx0" brushRef="#br0" timeOffset="312.1408">2438-813 0,'0'102'0,"0"33"16,0-33-16,0 0 15,0-1-15,0-33 16,0-34-16,0 34 15,0-35-15,0 1 16</inkml:trace>
+          <inkml:trace contextRef="#ctx0" brushRef="#br0" timeOffset="608.0991">2607-813 0,'34'0'0,"34"0"16,0 0-16,-1 0 16,1 0-16,0 0 15,-34 0-15,34 0 16,-35 0-16</inkml:trace>
+          <inkml:trace contextRef="#ctx0" brushRef="#br0" timeOffset="-223.7468">2201-914 0,'0'68'15,"-34"33"-15,0 68 16,0-101-16,-33 135 16,33-101-16,34-68 15,0 34-15,0-35 16,-34 1 0</inkml:trace>
+          <inkml:trace contextRef="#ctx0" brushRef="#br0" timeOffset="960.7764">2844-779 0,'0'34'0,"0"0"16,-33 0-1,33 0-15,0 67 16,0-67-16,0 0 15,0 0-15,0 0 16,0 0-16,0 0 16</inkml:trace>
+          <inkml:trace contextRef="#ctx0" brushRef="#br0" timeOffset="1329.3676">3048-745 0,'67'0'16,"35"0"-16,-34 0 15,-1 0-15,1 0 16,68 0-16,-102 0 15,67 0-15,-33 0 16,-34 0-16,0 0 16</inkml:trace>
+          <inkml:trace contextRef="#ctx0" brushRef="#br0" timeOffset="1680.1638">3454-711 0,'0'34'0,"0"0"16,0 0-16,0-1 16,0 35-16,0 0 15,0-34 1,0 0-1</inkml:trace>
+          <inkml:trace contextRef="#ctx0" brushRef="#br0" timeOffset="2056.4055">3827-643 0,'33'67'16,"-33"-33"-16,0 102 16,0-68-16,0 33 15,0-33-15,0 0 16,0 67-16,0-101 15,0 0 1</inkml:trace>
+        </inkml:traceGroup>
+        <inkml:traceGroup>
+          <inkml:annotationXML>
+            <emma:emma xmlns:emma="http://www.w3.org/2003/04/emma" version="1.0">
+              <emma:interpretation id="{1885CAB6-EAF2-4593-BB68-B957EAEC873C}" emma:medium="tactile" emma:mode="ink">
+                <msink:context xmlns:msink="http://schemas.microsoft.com/ink/2010/main" type="inkWord" rotatedBoundingBox="13501,10233 13851,10500 13621,10802 13271,10535"/>
+              </emma:interpretation>
+              <emma:one-of disjunction-type="recognition" id="oneOf1">
+                <emma:interpretation id="interp1" emma:lang="" emma:confidence="0">
+                  <emma:literal>’</emma:literal>
+                </emma:interpretation>
+                <emma:interpretation id="interp2" emma:lang="" emma:confidence="0">
+                  <emma:literal>&gt;</emma:literal>
+                </emma:interpretation>
+                <emma:interpretation id="interp3" emma:lang="" emma:confidence="0">
+                  <emma:literal>)</emma:literal>
+                </emma:interpretation>
+                <emma:interpretation id="interp4" emma:lang="" emma:confidence="0">
+                  <emma:literal>ㄱ</emma:literal>
+                </emma:interpretation>
+                <emma:interpretation id="interp5" emma:lang="" emma:confidence="0">
+                  <emma:literal>〉</emma:literal>
+                </emma:interpretation>
+              </emma:one-of>
+            </emma:emma>
+          </inkml:annotationXML>
+          <inkml:trace contextRef="#ctx0" brushRef="#br0" timeOffset="2608.203">3962-711 0,'34'0'16,"34"0"-1,-34 0-15,-1 0 16,1 0-16,0 0 16,0 0-16,0 0 15,0 0 1,-34 34-1,34 0 17,-34 0-1,0-1-31,0 1 16,0 0-1,0 0 16,-34-34-31,0 34 16,-34-34 0,34 0-16,0 0 15,1 0 17,-1 0-17,0 0-15</inkml:trace>
+        </inkml:traceGroup>
+        <inkml:traceGroup>
+          <inkml:annotationXML>
+            <emma:emma xmlns:emma="http://www.w3.org/2003/04/emma" version="1.0">
+              <emma:interpretation id="{6EA8CB63-CADE-43F4-8FFB-AB18C86B7DC6}" emma:medium="tactile" emma:mode="ink">
+                <msink:context xmlns:msink="http://schemas.microsoft.com/ink/2010/main" type="inkWord" rotatedBoundingBox="13955,11975 15038,12799 14696,13250 13612,12426"/>
+              </emma:interpretation>
+              <emma:one-of disjunction-type="recognition" id="oneOf2">
+                <emma:interpretation id="interp6" emma:lang="" emma:confidence="1">
+                  <emma:literal/>
+                </emma:interpretation>
+              </emma:one-of>
+            </emma:emma>
+          </inkml:annotationXML>
+          <inkml:trace contextRef="#ctx0" brushRef="#br0" timeOffset="-935.8616">4504 915 0,'68'0'0,"-1"67"16,35 1-16,0 0 16,33 67-16,-33-67 15,-1-34-15,35 101 16,-69-101-16,35 34 15,-34 0-15,0-34 16,-204-68 78,34 34-94,1-34 15,-35 0-15,35 0 16,-35 0-16,35 0 16,-1 34-16,34 0 15,-33-34-15,33 34 16,34 0 0,0 0 30,0-33-14,1 33-17,-1-34 63</inkml:trace>
+        </inkml:traceGroup>
+      </inkml:traceGroup>
+    </inkml:traceGroup>
+  </inkml:traceGroup>
+</inkml:ink>
+</file>
+
+<file path=ppt/ink/ink20.xml><?xml version="1.0" encoding="utf-8"?>
+<inkml:ink xmlns:inkml="http://www.w3.org/2003/InkML">
+  <inkml:definitions>
+    <inkml:context xml:id="ctx0">
+      <inkml:inkSource xml:id="inkSrc0">
+        <inkml:traceFormat>
+          <inkml:channel name="X" type="integer" max="1920" units="cm"/>
+          <inkml:channel name="Y" type="integer" max="1080" units="cm"/>
+          <inkml:channel name="T" type="integer" max="2.14748E9" units="dev"/>
+        </inkml:traceFormat>
+        <inkml:channelProperties>
+          <inkml:channelProperty channel="X" name="resolution" value="36.85221" units="1/cm"/>
+          <inkml:channelProperty channel="Y" name="resolution" value="36.86007" units="1/cm"/>
+          <inkml:channelProperty channel="T" name="resolution" value="1" units="1/dev"/>
+        </inkml:channelProperties>
+      </inkml:inkSource>
+      <inkml:timestamp xml:id="ts0" timeString="2021-05-06T06:58:39.583"/>
+    </inkml:context>
+    <inkml:brush xml:id="br0">
+      <inkml:brushProperty name="width" value="0.06667" units="cm"/>
+      <inkml:brushProperty name="height" value="0.06667" units="cm"/>
+      <inkml:brushProperty name="color" value="#ED1C24"/>
+      <inkml:brushProperty name="fitToCurve" value="1"/>
+    </inkml:brush>
+  </inkml:definitions>
+  <inkml:traceGroup>
+    <inkml:annotationXML>
+      <emma:emma xmlns:emma="http://www.w3.org/2003/04/emma" version="1.0">
+        <emma:interpretation id="{20FA2FAE-BCAE-45E2-9F27-21DAB7A27F2B}" emma:medium="tactile" emma:mode="ink">
+          <msink:context xmlns:msink="http://schemas.microsoft.com/ink/2010/main" type="inkDrawing" rotatedBoundingBox="12184,7776 16773,7102 17029,8847 12440,9522" hotPoints="17510,8286 15160,9039 12876,8102 15227,7349" semanticType="enclosure" shapeName="Ellipse"/>
+        </emma:interpretation>
+      </emma:emma>
+    </inkml:annotationXML>
+    <inkml:trace contextRef="#ctx0" brushRef="#br0">745 1732 0,'-34'0'78,"0"0"-63,-33-34 1,33 0-16,0 0 16,0 1-1,0-1 16,0 0-15,0 0 0,0 0-1,1 0 1,33 0 0,0-33-16,0-1 15,0 34 1,0 0-16,0 0 15,0 0-15,0-33 16,0 33-16,0 0 16,0-34-1,0 34-15,0 1 16,33-35-16,35 0 16,0 0-1,0 1-15,-34 33 16,-1 0-16,69-34 15,-68 68-15,67-68 16,-33 35-16,68-1 16,-35 0-16,35 0 15,33 0-15,0-34 16,1 34-16,-1 34 16,68-67-16,-34 67 15,34 0-15,-67 0 16,67 0-16,-68 0 15,34 0-15,-33 0 16,-35 0-16,-67 0 16,33 0-16,-33 0 15,0 0-15,-34 34 16,34-1-16,-35-33 16,35 68-16,-34 0 15,34 0-15,-34 67 16,-1-101-16,35 68 15,-68-69 1,0 1-16,0 0 16,0 34-16,34 0 15,-34-34 1,0-1-16,0 1 16,0 0-16,0 34 15,0 0 1,-34-35-16,0 35 15,0-34-15,1 0 16,-35 0-16,34 34 16,-101-35-16,67 1 15,0 0-15,-67 0 16,-35 0-16,69 0 16,-35-34-16,-67 67 15,0 1-15,33-68 16,-33 0-16,0 68 15,-34-68-15,0 68 16,0-68-16,68 0 16,-69 0-16,69 0 15,-34 0-15,34 0 16,-1 0-16,-33 0 16,68 0-1,33 0-15,0 0 16,69 0-16,-69 0 15</inkml:trace>
+  </inkml:traceGroup>
+</inkml:ink>
+</file>
+
+<file path=ppt/ink/ink3.xml><?xml version="1.0" encoding="utf-8"?>
+<inkml:ink xmlns:inkml="http://www.w3.org/2003/InkML">
+  <inkml:definitions>
+    <inkml:context xml:id="ctx0">
+      <inkml:inkSource xml:id="inkSrc0">
+        <inkml:traceFormat>
+          <inkml:channel name="X" type="integer" max="1920" units="cm"/>
+          <inkml:channel name="Y" type="integer" max="1080" units="cm"/>
+          <inkml:channel name="T" type="integer" max="2.14748E9" units="dev"/>
+        </inkml:traceFormat>
+        <inkml:channelProperties>
+          <inkml:channelProperty channel="X" name="resolution" value="36.85221" units="1/cm"/>
+          <inkml:channelProperty channel="Y" name="resolution" value="36.86007" units="1/cm"/>
+          <inkml:channelProperty channel="T" name="resolution" value="1" units="1/dev"/>
+        </inkml:channelProperties>
+      </inkml:inkSource>
+      <inkml:timestamp xml:id="ts0" timeString="2021-05-06T06:55:40.872"/>
+    </inkml:context>
+    <inkml:brush xml:id="br0">
+      <inkml:brushProperty name="width" value="0.06667" units="cm"/>
+      <inkml:brushProperty name="height" value="0.06667" units="cm"/>
+      <inkml:brushProperty name="color" value="#ED1C24"/>
+      <inkml:brushProperty name="fitToCurve" value="1"/>
+    </inkml:brush>
+  </inkml:definitions>
+  <inkml:traceGroup>
+    <inkml:annotationXML>
+      <emma:emma xmlns:emma="http://www.w3.org/2003/04/emma" version="1.0">
+        <emma:interpretation id="{4F4D5E13-1254-46A0-847E-EC1E86802FBD}" emma:medium="tactile" emma:mode="ink">
+          <msink:context xmlns:msink="http://schemas.microsoft.com/ink/2010/main" type="inkDrawing" rotatedBoundingBox="5689,7451 12903,7451 12903,7466 5689,7466" shapeName="Other"/>
+        </emma:interpretation>
+      </emma:emma>
+    </inkml:annotationXML>
+    <inkml:trace contextRef="#ctx0" brushRef="#br0">98 0 0,'-34'0'31,"0"0"0,0 0-15,68 0 140,34 0-140,0 0-16,33 0 15,1 0-15,33 0 16,-67 0-16,68 0 16,-35 0-16,35 0 15,-35 0-15,69 0 16,-35 0-16,34 0 16,-33 0-16,-35 0 15,1 0-15,0 0 16,33 0-16,-67 0 15,0 0-15,-1 0 16,69 0-16,-102 0 16,67 0-16,-33 0 15,34 0-15,-35 0 16,1 0-16,34 0 16,-35 0-16,1 0 15,0 0-15,33 0 16,-67 0-16,34 0 15,0 0 1,-34 0-16,33 0 16,-33 0-16,0 0 15,0 0-15,0 0 16,0 0-16,33 0 16,1 0-16,0 0 15,-34 0-15,67 0 16,-33 0-16,0 0 15,0 0-15,-35 0 16,69 0-16,-68 0 16,0 0-16,33 0 15,-33 0-15,34 0 16,0 0-16,0 0 16,-1 0-16,1 0 15,0 0-15,67 0 16,-101 0-16,68 0 15,-35 0-15,35 0 16,-34 0-16,-1 0 16,1 0-16,0 0 15,34 0-15,-69 0 16,69 0-16,0 0 16,-35 0-1,1 0-15,0 0 16,0 0-16,-1 0 15,-33 0-15,0 0 16,34 0 0,-1 0-16,-33 0 15,34 0-15,0 0 16,0 0-16,33 0 16,-67 0-16,68 0 15,-69 0-15,1 0 16,34 0-16,-34 0 15</inkml:trace>
+  </inkml:traceGroup>
+</inkml:ink>
+</file>
+
+<file path=ppt/ink/ink4.xml><?xml version="1.0" encoding="utf-8"?>
+<inkml:ink xmlns:inkml="http://www.w3.org/2003/InkML">
+  <inkml:definitions>
+    <inkml:context xml:id="ctx0">
+      <inkml:inkSource xml:id="inkSrc0">
+        <inkml:traceFormat>
+          <inkml:channel name="X" type="integer" max="1920" units="cm"/>
+          <inkml:channel name="Y" type="integer" max="1080" units="cm"/>
+          <inkml:channel name="T" type="integer" max="2.14748E9" units="dev"/>
+        </inkml:traceFormat>
+        <inkml:channelProperties>
+          <inkml:channelProperty channel="X" name="resolution" value="36.85221" units="1/cm"/>
+          <inkml:channelProperty channel="Y" name="resolution" value="36.86007" units="1/cm"/>
+          <inkml:channelProperty channel="T" name="resolution" value="1" units="1/dev"/>
+        </inkml:channelProperties>
+      </inkml:inkSource>
+      <inkml:timestamp xml:id="ts0" timeString="2021-05-06T06:54:18.160"/>
+    </inkml:context>
+    <inkml:brush xml:id="br0">
+      <inkml:brushProperty name="width" value="0.06667" units="cm"/>
+      <inkml:brushProperty name="height" value="0.06667" units="cm"/>
+      <inkml:brushProperty name="color" value="#ED1C24"/>
+      <inkml:brushProperty name="fitToCurve" value="1"/>
+    </inkml:brush>
+  </inkml:definitions>
+  <inkml:traceGroup>
+    <inkml:annotationXML>
+      <emma:emma xmlns:emma="http://www.w3.org/2003/04/emma" version="1.0">
+        <emma:interpretation id="{FFC35406-D6FF-42FB-B51F-8E739DB25AD2}" emma:medium="tactile" emma:mode="ink">
+          <msink:context xmlns:msink="http://schemas.microsoft.com/ink/2010/main" type="inkDrawing" rotatedBoundingBox="9418,11093 13834,12115 13769,12396 9353,11373" semanticType="underline" shapeName="Other">
+            <msink:sourceLink direction="with" ref="{3E10474C-B32A-47B8-9BD3-F4E07B139126}"/>
+          </msink:context>
+        </emma:interpretation>
+      </emma:emma>
+    </inkml:annotationXML>
+    <inkml:trace contextRef="#ctx0" brushRef="#br0">0 0 0,'67'0'16,"-33"34"-1,34-34-15,34 68 16,-1 0-16,35-35 15,-1 35-15,1-34 16,33 34-16,-34-34 16,-33 33-16,67-33 15,-33 34-15,-35-68 16,35 34-16,-102 0 16,67 0-16,-33-34 15,-34 0-15,34 33 16,-34-33-16,-1 34 15,35-34-15,-68 34 16,68-34-16,0 0 16,-35 34-16,35-34 15,34 34-15,-34-34 16,-1 34-16,1-34 16,-34 34-1,34-34-15,-1 0 16,-33 0-16,0 0 15,68 0-15,-68 0 16,-1 33-16,1-33 16,34 0-16,-34 0 15,0 0 1,0 0 0,33 0-1,-33 0-15,0 0 16,68 0-16,-68 34 15,33-34-15,1 0 16,34 0 0,-69 34-16,1-34 15,34 0 1,-68 34 0,34-34-16,0 0 15,0 0 1,0 0-16,-1 0 15,1 0 1,0 0 187,34 0-187,-34 0-1,0 0-15,-1 0 16,1 34-16</inkml:trace>
+  </inkml:traceGroup>
+</inkml:ink>
+</file>
+
+<file path=ppt/ink/ink5.xml><?xml version="1.0" encoding="utf-8"?>
+<inkml:ink xmlns:inkml="http://www.w3.org/2003/InkML">
+  <inkml:definitions>
+    <inkml:context xml:id="ctx0">
+      <inkml:inkSource xml:id="inkSrc0">
+        <inkml:traceFormat>
+          <inkml:channel name="X" type="integer" max="1920" units="cm"/>
+          <inkml:channel name="Y" type="integer" max="1080" units="cm"/>
+          <inkml:channel name="T" type="integer" max="2.14748E9" units="dev"/>
+        </inkml:traceFormat>
+        <inkml:channelProperties>
+          <inkml:channelProperty channel="X" name="resolution" value="36.85221" units="1/cm"/>
+          <inkml:channelProperty channel="Y" name="resolution" value="36.86007" units="1/cm"/>
+          <inkml:channelProperty channel="T" name="resolution" value="1" units="1/dev"/>
+        </inkml:channelProperties>
+      </inkml:inkSource>
+      <inkml:timestamp xml:id="ts0" timeString="2021-05-06T06:55:49.344"/>
+    </inkml:context>
+    <inkml:brush xml:id="br0">
+      <inkml:brushProperty name="width" value="0.06667" units="cm"/>
+      <inkml:brushProperty name="height" value="0.06667" units="cm"/>
+      <inkml:brushProperty name="color" value="#ED1C24"/>
+      <inkml:brushProperty name="fitToCurve" value="1"/>
+    </inkml:brush>
+  </inkml:definitions>
+  <inkml:traceGroup>
+    <inkml:annotationXML>
+      <emma:emma xmlns:emma="http://www.w3.org/2003/04/emma" version="1.0">
+        <emma:interpretation id="{A87A8D26-6E45-4D50-84CF-D56E8C9AD1DE}" emma:medium="tactile" emma:mode="ink">
+          <msink:context xmlns:msink="http://schemas.microsoft.com/ink/2010/main" type="inkDrawing" rotatedBoundingBox="8162,2303 10600,2303 10600,2318 8162,2318" shapeName="Other"/>
+        </emma:interpretation>
+      </emma:emma>
+    </inkml:annotationXML>
+    <inkml:trace contextRef="#ctx0" brushRef="#br0">0 0 0,'33'0'63,"103"0"-63,33 0 15,1 0-15,-35 0 16,68 0-16,0 0 16,1 0-16,-1 0 15,0 0-15,0 0 16,-33 0-16,-35 0 15,-33 0 1,-35 0-16,1 0 16,-34 0-16</inkml:trace>
+  </inkml:traceGroup>
+</inkml:ink>
+</file>
+
+<file path=ppt/ink/ink6.xml><?xml version="1.0" encoding="utf-8"?>
+<inkml:ink xmlns:inkml="http://www.w3.org/2003/InkML">
+  <inkml:definitions>
+    <inkml:context xml:id="ctx0">
+      <inkml:inkSource xml:id="inkSrc0">
+        <inkml:traceFormat>
+          <inkml:channel name="X" type="integer" max="1920" units="cm"/>
+          <inkml:channel name="Y" type="integer" max="1080" units="cm"/>
+          <inkml:channel name="T" type="integer" max="2.14748E9" units="dev"/>
+        </inkml:traceFormat>
+        <inkml:channelProperties>
+          <inkml:channelProperty channel="X" name="resolution" value="36.85221" units="1/cm"/>
+          <inkml:channelProperty channel="Y" name="resolution" value="36.86007" units="1/cm"/>
+          <inkml:channelProperty channel="T" name="resolution" value="1" units="1/dev"/>
+        </inkml:channelProperties>
+      </inkml:inkSource>
+      <inkml:timestamp xml:id="ts0" timeString="2021-05-06T06:55:49.920"/>
+    </inkml:context>
+    <inkml:brush xml:id="br0">
+      <inkml:brushProperty name="width" value="0.06667" units="cm"/>
+      <inkml:brushProperty name="height" value="0.06667" units="cm"/>
+      <inkml:brushProperty name="color" value="#ED1C24"/>
+      <inkml:brushProperty name="fitToCurve" value="1"/>
+    </inkml:brush>
+  </inkml:definitions>
+  <inkml:traceGroup>
+    <inkml:annotationXML>
+      <emma:emma xmlns:emma="http://www.w3.org/2003/04/emma" version="1.0">
+        <emma:interpretation id="{F090B901-73EA-4AC3-9A3A-118CA3B1E5F7}" emma:medium="tactile" emma:mode="ink">
+          <msink:context xmlns:msink="http://schemas.microsoft.com/ink/2010/main" type="inkDrawing" rotatedBoundingBox="8465,2371 10804,2593 10796,2679 8457,2457" shapeName="Other"/>
+        </emma:interpretation>
+      </emma:emma>
+    </inkml:annotationXML>
+    <inkml:trace contextRef="#ctx0" brushRef="#br0">0 0 0,'102'33'31,"0"1"-31,33-34 16,68 34-16,-33 0 16,101 0-16,-34 0 15,-68-34-15,34 0 16,-34 34-16,1-34 15,-69 0-15,1 0 16,-34 0-16,33 0 16,-67 0-1</inkml:trace>
+  </inkml:traceGroup>
+</inkml:ink>
+</file>
+
+<file path=ppt/ink/ink7.xml><?xml version="1.0" encoding="utf-8"?>
+<inkml:ink xmlns:inkml="http://www.w3.org/2003/InkML">
+  <inkml:definitions>
+    <inkml:context xml:id="ctx0">
+      <inkml:inkSource xml:id="inkSrc0">
+        <inkml:traceFormat>
+          <inkml:channel name="X" type="integer" max="1920" units="cm"/>
+          <inkml:channel name="Y" type="integer" max="1080" units="cm"/>
+          <inkml:channel name="T" type="integer" max="2.14748E9" units="dev"/>
+        </inkml:traceFormat>
+        <inkml:channelProperties>
+          <inkml:channelProperty channel="X" name="resolution" value="36.85221" units="1/cm"/>
+          <inkml:channelProperty channel="Y" name="resolution" value="36.86007" units="1/cm"/>
+          <inkml:channelProperty channel="T" name="resolution" value="1" units="1/dev"/>
+        </inkml:channelProperties>
+      </inkml:inkSource>
+      <inkml:timestamp xml:id="ts0" timeString="2021-05-06T06:56:01.216"/>
+    </inkml:context>
+    <inkml:brush xml:id="br0">
+      <inkml:brushProperty name="width" value="0.06667" units="cm"/>
+      <inkml:brushProperty name="height" value="0.06667" units="cm"/>
+      <inkml:brushProperty name="color" value="#ED1C24"/>
+      <inkml:brushProperty name="fitToCurve" value="1"/>
+    </inkml:brush>
+  </inkml:definitions>
+  <inkml:traceGroup>
+    <inkml:annotationXML>
+      <emma:emma xmlns:emma="http://www.w3.org/2003/04/emma" version="1.0">
+        <emma:interpretation id="{E158136C-446C-4D85-80AC-0D14FA99B89B}" emma:medium="tactile" emma:mode="ink">
+          <msink:context xmlns:msink="http://schemas.microsoft.com/ink/2010/main" type="inkDrawing" rotatedBoundingBox="6366,7354 11141,7321 11142,7354 6367,7387" shapeName="Other"/>
+        </emma:interpretation>
+      </emma:emma>
+    </inkml:annotationXML>
+    <inkml:trace contextRef="#ctx0" brushRef="#br0">0 44 0,'67'0'78,"1"0"-62,-34 0-16,34 0 15,33 0-15,-67 0 16,68 0-16,67 0 16,0-34-16,69 34 15,-35 0-15,34 0 16,-34 0-16,68 0 15,-68 0-15,0 0 16,-33 0-16,33 0 16,-34 0-16,34 0 15,1 0 1,-35 0-16,68 0 16,0 0-16,-68 0 15,68 0-15,-101 0 16,-1 0-16,-67 0 15,-34 0-15,0 0 16</inkml:trace>
+  </inkml:traceGroup>
+</inkml:ink>
+</file>
+
+<file path=ppt/ink/ink8.xml><?xml version="1.0" encoding="utf-8"?>
+<inkml:ink xmlns:inkml="http://www.w3.org/2003/InkML">
+  <inkml:definitions>
+    <inkml:context xml:id="ctx0">
+      <inkml:inkSource xml:id="inkSrc0">
+        <inkml:traceFormat>
+          <inkml:channel name="X" type="integer" max="1920" units="cm"/>
+          <inkml:channel name="Y" type="integer" max="1080" units="cm"/>
+          <inkml:channel name="T" type="integer" max="2.14748E9" units="dev"/>
+        </inkml:traceFormat>
+        <inkml:channelProperties>
+          <inkml:channelProperty channel="X" name="resolution" value="36.85221" units="1/cm"/>
+          <inkml:channelProperty channel="Y" name="resolution" value="36.86007" units="1/cm"/>
+          <inkml:channelProperty channel="T" name="resolution" value="1" units="1/dev"/>
+        </inkml:channelProperties>
+      </inkml:inkSource>
+      <inkml:timestamp xml:id="ts0" timeString="2021-05-06T06:56:15.176"/>
+    </inkml:context>
+    <inkml:brush xml:id="br0">
+      <inkml:brushProperty name="width" value="0.06667" units="cm"/>
+      <inkml:brushProperty name="height" value="0.06667" units="cm"/>
+      <inkml:brushProperty name="color" value="#ED1C24"/>
+      <inkml:brushProperty name="fitToCurve" value="1"/>
+    </inkml:brush>
+  </inkml:definitions>
+  <inkml:traceGroup>
+    <inkml:annotationXML>
+      <emma:emma xmlns:emma="http://www.w3.org/2003/04/emma" version="1.0">
+        <emma:interpretation id="{FD3EE035-1F9F-4BC5-B882-9F0BFEE03CBA}" emma:medium="tactile" emma:mode="ink">
+          <msink:context xmlns:msink="http://schemas.microsoft.com/ink/2010/main" type="inkDrawing" rotatedBoundingBox="3691,10160 7078,10160 7078,10175 3691,10175" shapeName="Other"/>
+        </emma:interpretation>
+      </emma:emma>
+    </inkml:annotationXML>
+    <inkml:trace contextRef="#ctx0" brushRef="#br0">0 0 0,'34'0'78,"68"0"-78,-1 0 15,1 0-15,33 0 16,35 0-16,33 0 16,-68 0-16,35 0 15,33 0 1,-68 0-16,1 0 15,-1 0-15,-33 0 16,-1 0-16,1 0 16,0 0-16,-35 0 15,35 0-15,-68 0 16,67 0-16,-33 0 16,-34 0-16,34 0 15,0 0-15,-35 0 16,1 0-1,0 0-15,0 0 16,0 0 0,0 0 171,0 0-140,-1 0-31,1 0-16,0 0 15,34 0-15,-34 0 16,0 0-16,0 0 16,-1 0-16,1 0 15,0 0 1,0 0-1,0 0 1</inkml:trace>
+  </inkml:traceGroup>
+</inkml:ink>
+</file>
+
+<file path=ppt/ink/ink9.xml><?xml version="1.0" encoding="utf-8"?>
+<inkml:ink xmlns:inkml="http://www.w3.org/2003/InkML">
+  <inkml:definitions>
+    <inkml:context xml:id="ctx0">
+      <inkml:inkSource xml:id="inkSrc0">
+        <inkml:traceFormat>
+          <inkml:channel name="X" type="integer" max="1920" units="cm"/>
+          <inkml:channel name="Y" type="integer" max="1080" units="cm"/>
+          <inkml:channel name="T" type="integer" max="2.14748E9" units="dev"/>
+        </inkml:traceFormat>
+        <inkml:channelProperties>
+          <inkml:channelProperty channel="X" name="resolution" value="36.85221" units="1/cm"/>
+          <inkml:channelProperty channel="Y" name="resolution" value="36.86007" units="1/cm"/>
+          <inkml:channelProperty channel="T" name="resolution" value="1" units="1/dev"/>
+        </inkml:channelProperties>
+      </inkml:inkSource>
+      <inkml:timestamp xml:id="ts0" timeString="2021-05-06T06:56:18.143"/>
+    </inkml:context>
+    <inkml:brush xml:id="br0">
+      <inkml:brushProperty name="width" value="0.06667" units="cm"/>
+      <inkml:brushProperty name="height" value="0.06667" units="cm"/>
+      <inkml:brushProperty name="color" value="#ED1C24"/>
+      <inkml:brushProperty name="fitToCurve" value="1"/>
+    </inkml:brush>
+  </inkml:definitions>
+  <inkml:traceGroup>
+    <inkml:annotationXML>
+      <emma:emma xmlns:emma="http://www.w3.org/2003/04/emma" version="1.0">
+        <emma:interpretation id="{1787C015-9786-486E-BBA9-20774C891560}" emma:medium="tactile" emma:mode="ink">
+          <msink:context xmlns:msink="http://schemas.microsoft.com/ink/2010/main" type="inkDrawing" rotatedBoundingBox="16425,10194 20252,10194 20252,10209 16425,10209" shapeName="Other"/>
+        </emma:interpretation>
+      </emma:emma>
+    </inkml:annotationXML>
+    <inkml:trace contextRef="#ctx0" brushRef="#br0">0 0 0,'102'0'94,"67"0"-94,34 0 16,136 0-16,-34 0 15,67 0-15,102 0 16,-67 0-16,-1 0 15,-135 0-15,0 0 16,-34 0-16,-101 0 16,-35 0-16,-67 0 31</inkml:trace>
+  </inkml:traceGroup>
+</inkml:ink>
 </file>
 
 <file path=ppt/notesMasters/notesMaster1.xml><?xml version="1.0" encoding="utf-8"?>
@@ -463,11 +1501,7 @@
             <a:noFill/>
           </a:ln>
           <a:effectLst/>
-          <a:extLst>
-            <a:ext uri="{909E8E84-426E-40DD-AFC4-6F175D3DCCD1}"/>
-            <a:ext uri="{91240B29-F687-4F45-9708-019B960494DF}"/>
-            <a:ext uri="{AF507438-7753-43E0-B8FC-AC1667EBCBE1}"/>
-          </a:extLst>
+          <a:extLst/>
         </p:spPr>
         <p:txBody>
           <a:bodyPr vert="horz" wrap="square" lIns="92309" tIns="46154" rIns="92309" bIns="46154" numCol="1" anchor="t" anchorCtr="0" compatLnSpc="1">
@@ -514,11 +1548,7 @@
             <a:noFill/>
           </a:ln>
           <a:effectLst/>
-          <a:extLst>
-            <a:ext uri="{909E8E84-426E-40DD-AFC4-6F175D3DCCD1}"/>
-            <a:ext uri="{91240B29-F687-4F45-9708-019B960494DF}"/>
-            <a:ext uri="{AF507438-7753-43E0-B8FC-AC1667EBCBE1}"/>
-          </a:extLst>
+          <a:extLst/>
         </p:spPr>
         <p:txBody>
           <a:bodyPr vert="horz" wrap="square" lIns="92309" tIns="46154" rIns="92309" bIns="46154" numCol="1" anchor="t" anchorCtr="0" compatLnSpc="1">
@@ -546,7 +1576,7 @@
         <p:nvSpPr>
           <p:cNvPr id="36868" name="Rectangle 4"/>
           <p:cNvSpPr>
-            <a:spLocks noGrp="1" noRot="1" noChangeArrowheads="1" noTextEdit="1"/>
+            <a:spLocks noGrp="1" noRot="1" noChangeAspect="1" noChangeArrowheads="1" noTextEdit="1"/>
           </p:cNvSpPr>
           <p:nvPr>
             <p:ph type="sldImg" idx="2"/>
@@ -594,11 +1624,7 @@
             <a:noFill/>
           </a:ln>
           <a:effectLst/>
-          <a:extLst>
-            <a:ext uri="{909E8E84-426E-40DD-AFC4-6F175D3DCCD1}"/>
-            <a:ext uri="{91240B29-F687-4F45-9708-019B960494DF}"/>
-            <a:ext uri="{AF507438-7753-43E0-B8FC-AC1667EBCBE1}"/>
-          </a:extLst>
+          <a:extLst/>
         </p:spPr>
         <p:txBody>
           <a:bodyPr vert="horz" wrap="square" lIns="92309" tIns="46154" rIns="92309" bIns="46154" numCol="1" anchor="t" anchorCtr="0" compatLnSpc="1">
@@ -667,11 +1693,7 @@
             <a:noFill/>
           </a:ln>
           <a:effectLst/>
-          <a:extLst>
-            <a:ext uri="{909E8E84-426E-40DD-AFC4-6F175D3DCCD1}"/>
-            <a:ext uri="{91240B29-F687-4F45-9708-019B960494DF}"/>
-            <a:ext uri="{AF507438-7753-43E0-B8FC-AC1667EBCBE1}"/>
-          </a:extLst>
+          <a:extLst/>
         </p:spPr>
         <p:txBody>
           <a:bodyPr vert="horz" wrap="square" lIns="92309" tIns="46154" rIns="92309" bIns="46154" numCol="1" anchor="b" anchorCtr="0" compatLnSpc="1">
@@ -718,11 +1740,7 @@
             <a:noFill/>
           </a:ln>
           <a:effectLst/>
-          <a:extLst>
-            <a:ext uri="{909E8E84-426E-40DD-AFC4-6F175D3DCCD1}"/>
-            <a:ext uri="{91240B29-F687-4F45-9708-019B960494DF}"/>
-            <a:ext uri="{AF507438-7753-43E0-B8FC-AC1667EBCBE1}"/>
-          </a:extLst>
+          <a:extLst/>
         </p:spPr>
         <p:txBody>
           <a:bodyPr vert="horz" wrap="square" lIns="92309" tIns="46154" rIns="92309" bIns="46154" numCol="1" anchor="b" anchorCtr="0" compatLnSpc="1">
@@ -2601,7 +3619,7 @@
               <a:pPr>
                 <a:defRPr/>
               </a:pPr>
-              <a:t>7/27/2017</a:t>
+              <a:t>5/6/2021</a:t>
             </a:fld>
             <a:endParaRPr lang="en-US"/>
           </a:p>
@@ -4312,7 +5330,7 @@
               <a:pPr>
                 <a:defRPr/>
               </a:pPr>
-              <a:t>7/27/2017</a:t>
+              <a:t>5/6/2021</a:t>
             </a:fld>
             <a:endParaRPr lang="en-US"/>
           </a:p>
@@ -6027,7 +7045,7 @@
               <a:pPr>
                 <a:defRPr/>
               </a:pPr>
-              <a:t>7/27/2017</a:t>
+              <a:t>5/6/2021</a:t>
             </a:fld>
             <a:endParaRPr lang="en-US"/>
           </a:p>
@@ -6566,7 +7584,7 @@
               <a:pPr>
                 <a:defRPr/>
               </a:pPr>
-              <a:t>7/27/2017</a:t>
+              <a:t>5/6/2021</a:t>
             </a:fld>
             <a:endParaRPr lang="en-US"/>
           </a:p>
@@ -8035,7 +9053,7 @@
               <a:pPr>
                 <a:defRPr/>
               </a:pPr>
-              <a:t>7/27/2017</a:t>
+              <a:t>5/6/2021</a:t>
             </a:fld>
             <a:endParaRPr lang="en-US"/>
           </a:p>
@@ -9060,7 +10078,7 @@
               <a:pPr>
                 <a:defRPr/>
               </a:pPr>
-              <a:t>7/27/2017</a:t>
+              <a:t>5/6/2021</a:t>
             </a:fld>
             <a:endParaRPr lang="en-US"/>
           </a:p>
@@ -9718,7 +10736,7 @@
               <a:pPr>
                 <a:defRPr/>
               </a:pPr>
-              <a:t>7/27/2017</a:t>
+              <a:t>5/6/2021</a:t>
             </a:fld>
             <a:endParaRPr lang="en-US"/>
           </a:p>
@@ -11378,7 +12396,7 @@
               <a:pPr>
                 <a:defRPr/>
               </a:pPr>
-              <a:t>7/27/2017</a:t>
+              <a:t>5/6/2021</a:t>
             </a:fld>
             <a:endParaRPr lang="en-US"/>
           </a:p>
@@ -13010,7 +14028,7 @@
               <a:pPr>
                 <a:defRPr/>
               </a:pPr>
-              <a:t>7/27/2017</a:t>
+              <a:t>5/6/2021</a:t>
             </a:fld>
             <a:endParaRPr lang="en-US"/>
           </a:p>
@@ -15048,7 +16066,7 @@
               <a:pPr>
                 <a:defRPr/>
               </a:pPr>
-              <a:t>7/27/2017</a:t>
+              <a:t>5/6/2021</a:t>
             </a:fld>
             <a:endParaRPr lang="en-US"/>
           </a:p>
@@ -17254,7 +18272,7 @@
               <a:pPr>
                 <a:defRPr/>
               </a:pPr>
-              <a:t>7/27/2017</a:t>
+              <a:t>5/6/2021</a:t>
             </a:fld>
             <a:endParaRPr lang="en-US"/>
           </a:p>
@@ -18139,7 +19157,7 @@
               <a:pPr>
                 <a:defRPr/>
               </a:pPr>
-              <a:t>7/27/2017</a:t>
+              <a:t>5/6/2021</a:t>
             </a:fld>
             <a:endParaRPr lang="en-US"/>
           </a:p>
@@ -18828,9 +19846,7 @@
               </a:schemeClr>
             </a:outerShdw>
           </a:effectLst>
-          <a:extLst>
-            <a:ext uri="{91240B29-F687-4F45-9708-019B960494DF}"/>
-          </a:extLst>
+          <a:extLst/>
         </p:spPr>
         <p:txBody>
           <a:bodyPr>
@@ -19417,7 +20433,7 @@
           <a:blip r:embed="rId2">
             <a:extLst>
               <a:ext uri="{28A0092B-C50C-407E-A947-70E740481C1C}">
-                <a14:useLocalDpi xmlns:a14="http://schemas.microsoft.com/office/drawing/2010/main" xmlns="" val="0"/>
+                <a14:useLocalDpi xmlns:a14="http://schemas.microsoft.com/office/drawing/2010/main" val="0"/>
               </a:ext>
             </a:extLst>
           </a:blip>
@@ -19440,14 +20456,14 @@
           </a:ln>
           <a:extLst>
             <a:ext uri="{909E8E84-426E-40DD-AFC4-6F175D3DCCD1}">
-              <a14:hiddenFill xmlns:a14="http://schemas.microsoft.com/office/drawing/2010/main" xmlns="">
+              <a14:hiddenFill xmlns:a14="http://schemas.microsoft.com/office/drawing/2010/main">
                 <a:solidFill>
                   <a:schemeClr val="accent1"/>
                 </a:solidFill>
               </a14:hiddenFill>
             </a:ext>
             <a:ext uri="{91240B29-F687-4F45-9708-019B960494DF}">
-              <a14:hiddenLine xmlns:a14="http://schemas.microsoft.com/office/drawing/2010/main" xmlns="" w="9525">
+              <a14:hiddenLine xmlns:a14="http://schemas.microsoft.com/office/drawing/2010/main" w="9525">
                 <a:solidFill>
                   <a:schemeClr val="tx1"/>
                 </a:solidFill>
@@ -19462,7 +20478,7 @@
     </p:spTree>
     <p:extLst>
       <p:ext uri="{BB962C8B-B14F-4D97-AF65-F5344CB8AC3E}">
-        <p14:creationId xmlns:p14="http://schemas.microsoft.com/office/powerpoint/2010/main" xmlns="" val="3448181944"/>
+        <p14:creationId xmlns:p14="http://schemas.microsoft.com/office/powerpoint/2010/main" val="3448181944"/>
       </p:ext>
     </p:extLst>
   </p:cSld>
@@ -19890,7 +20906,7 @@
           <a:blip r:embed="rId2">
             <a:extLst>
               <a:ext uri="{28A0092B-C50C-407E-A947-70E740481C1C}">
-                <a14:useLocalDpi xmlns:a14="http://schemas.microsoft.com/office/drawing/2010/main" xmlns="" val="0"/>
+                <a14:useLocalDpi xmlns:a14="http://schemas.microsoft.com/office/drawing/2010/main" val="0"/>
               </a:ext>
             </a:extLst>
           </a:blip>
@@ -19910,7 +20926,7 @@
           <a:noFill/>
           <a:extLst>
             <a:ext uri="{909E8E84-426E-40DD-AFC4-6F175D3DCCD1}">
-              <a14:hiddenFill xmlns:a14="http://schemas.microsoft.com/office/drawing/2010/main" xmlns="">
+              <a14:hiddenFill xmlns:a14="http://schemas.microsoft.com/office/drawing/2010/main">
                 <a:solidFill>
                   <a:srgbClr val="FFFFFF"/>
                 </a:solidFill>
@@ -19969,17 +20985,13 @@
               </a:rPr>
               <a:t>수식의 혼용</a:t>
             </a:r>
-            <a:endParaRPr lang="ko-KR" altLang="en-US" sz="1600" dirty="0" smtClean="0">
-              <a:latin typeface="HY바다L" pitchFamily="18" charset="-127"/>
-              <a:ea typeface="HY바다L" pitchFamily="18" charset="-127"/>
-            </a:endParaRPr>
           </a:p>
         </p:txBody>
       </p:sp>
     </p:spTree>
     <p:extLst>
       <p:ext uri="{BB962C8B-B14F-4D97-AF65-F5344CB8AC3E}">
-        <p14:creationId xmlns:p14="http://schemas.microsoft.com/office/powerpoint/2010/main" xmlns="" val="1356356338"/>
+        <p14:creationId xmlns:p14="http://schemas.microsoft.com/office/powerpoint/2010/main" val="1356356338"/>
       </p:ext>
     </p:extLst>
   </p:cSld>
@@ -20401,7 +21413,7 @@
           <a:blip r:embed="rId2">
             <a:extLst>
               <a:ext uri="{28A0092B-C50C-407E-A947-70E740481C1C}">
-                <a14:useLocalDpi xmlns:a14="http://schemas.microsoft.com/office/drawing/2010/main" xmlns="" val="0"/>
+                <a14:useLocalDpi xmlns:a14="http://schemas.microsoft.com/office/drawing/2010/main" val="0"/>
               </a:ext>
             </a:extLst>
           </a:blip>
@@ -20421,7 +21433,7 @@
           <a:noFill/>
           <a:extLst>
             <a:ext uri="{909E8E84-426E-40DD-AFC4-6F175D3DCCD1}">
-              <a14:hiddenFill xmlns:a14="http://schemas.microsoft.com/office/drawing/2010/main" xmlns="">
+              <a14:hiddenFill xmlns:a14="http://schemas.microsoft.com/office/drawing/2010/main">
                 <a:solidFill>
                   <a:srgbClr val="FFFFFF"/>
                 </a:solidFill>
@@ -20581,7 +21593,7 @@
     </p:spTree>
     <p:extLst>
       <p:ext uri="{BB962C8B-B14F-4D97-AF65-F5344CB8AC3E}">
-        <p14:creationId xmlns:p14="http://schemas.microsoft.com/office/powerpoint/2010/main" xmlns="" val="3617152394"/>
+        <p14:creationId xmlns:p14="http://schemas.microsoft.com/office/powerpoint/2010/main" val="3617152394"/>
       </p:ext>
     </p:extLst>
   </p:cSld>
@@ -21029,7 +22041,7 @@
           <a:blip r:embed="rId2">
             <a:extLst>
               <a:ext uri="{28A0092B-C50C-407E-A947-70E740481C1C}">
-                <a14:useLocalDpi xmlns:a14="http://schemas.microsoft.com/office/drawing/2010/main" xmlns="" val="0"/>
+                <a14:useLocalDpi xmlns:a14="http://schemas.microsoft.com/office/drawing/2010/main" val="0"/>
               </a:ext>
             </a:extLst>
           </a:blip>
@@ -21049,7 +22061,7 @@
           <a:noFill/>
           <a:extLst>
             <a:ext uri="{909E8E84-426E-40DD-AFC4-6F175D3DCCD1}">
-              <a14:hiddenFill xmlns:a14="http://schemas.microsoft.com/office/drawing/2010/main" xmlns="">
+              <a14:hiddenFill xmlns:a14="http://schemas.microsoft.com/office/drawing/2010/main">
                 <a:solidFill>
                   <a:srgbClr val="FFFFFF"/>
                 </a:solidFill>
@@ -21166,7 +22178,7 @@
     </p:spTree>
     <p:extLst>
       <p:ext uri="{BB962C8B-B14F-4D97-AF65-F5344CB8AC3E}">
-        <p14:creationId xmlns:p14="http://schemas.microsoft.com/office/powerpoint/2010/main" xmlns="" val="207453630"/>
+        <p14:creationId xmlns:p14="http://schemas.microsoft.com/office/powerpoint/2010/main" val="207453630"/>
       </p:ext>
     </p:extLst>
   </p:cSld>
@@ -21524,7 +22536,7 @@
           <a:blip r:embed="rId2">
             <a:extLst>
               <a:ext uri="{28A0092B-C50C-407E-A947-70E740481C1C}">
-                <a14:useLocalDpi xmlns:a14="http://schemas.microsoft.com/office/drawing/2010/main" xmlns="" val="0"/>
+                <a14:useLocalDpi xmlns:a14="http://schemas.microsoft.com/office/drawing/2010/main" val="0"/>
               </a:ext>
             </a:extLst>
           </a:blip>
@@ -21544,7 +22556,7 @@
           <a:noFill/>
           <a:extLst>
             <a:ext uri="{909E8E84-426E-40DD-AFC4-6F175D3DCCD1}">
-              <a14:hiddenFill xmlns:a14="http://schemas.microsoft.com/office/drawing/2010/main" xmlns="">
+              <a14:hiddenFill xmlns:a14="http://schemas.microsoft.com/office/drawing/2010/main">
                 <a:solidFill>
                   <a:srgbClr val="FFFFFF"/>
                 </a:solidFill>
@@ -21556,7 +22568,7 @@
     </p:spTree>
     <p:extLst>
       <p:ext uri="{BB962C8B-B14F-4D97-AF65-F5344CB8AC3E}">
-        <p14:creationId xmlns:p14="http://schemas.microsoft.com/office/powerpoint/2010/main" xmlns="" val="3270645134"/>
+        <p14:creationId xmlns:p14="http://schemas.microsoft.com/office/powerpoint/2010/main" val="3270645134"/>
       </p:ext>
     </p:extLst>
   </p:cSld>
@@ -21914,7 +22926,7 @@
           <a:blip r:embed="rId2">
             <a:extLst>
               <a:ext uri="{28A0092B-C50C-407E-A947-70E740481C1C}">
-                <a14:useLocalDpi xmlns:a14="http://schemas.microsoft.com/office/drawing/2010/main" xmlns="" val="0"/>
+                <a14:useLocalDpi xmlns:a14="http://schemas.microsoft.com/office/drawing/2010/main" val="0"/>
               </a:ext>
             </a:extLst>
           </a:blip>
@@ -21934,7 +22946,7 @@
           <a:noFill/>
           <a:extLst>
             <a:ext uri="{909E8E84-426E-40DD-AFC4-6F175D3DCCD1}">
-              <a14:hiddenFill xmlns:a14="http://schemas.microsoft.com/office/drawing/2010/main" xmlns="">
+              <a14:hiddenFill xmlns:a14="http://schemas.microsoft.com/office/drawing/2010/main">
                 <a:solidFill>
                   <a:srgbClr val="FFFFFF"/>
                 </a:solidFill>
@@ -21946,7 +22958,7 @@
     </p:spTree>
     <p:extLst>
       <p:ext uri="{BB962C8B-B14F-4D97-AF65-F5344CB8AC3E}">
-        <p14:creationId xmlns:p14="http://schemas.microsoft.com/office/powerpoint/2010/main" xmlns="" val="2595424208"/>
+        <p14:creationId xmlns:p14="http://schemas.microsoft.com/office/powerpoint/2010/main" val="2595424208"/>
       </p:ext>
     </p:extLst>
   </p:cSld>
@@ -22017,7 +23029,7 @@
           <a:blip r:embed="rId2">
             <a:extLst>
               <a:ext uri="{28A0092B-C50C-407E-A947-70E740481C1C}">
-                <a14:useLocalDpi xmlns:a14="http://schemas.microsoft.com/office/drawing/2010/main" xmlns="" val="0"/>
+                <a14:useLocalDpi xmlns:a14="http://schemas.microsoft.com/office/drawing/2010/main" val="0"/>
               </a:ext>
             </a:extLst>
           </a:blip>
@@ -22040,14 +23052,14 @@
           </a:ln>
           <a:extLst>
             <a:ext uri="{909E8E84-426E-40DD-AFC4-6F175D3DCCD1}">
-              <a14:hiddenFill xmlns:a14="http://schemas.microsoft.com/office/drawing/2010/main" xmlns="">
+              <a14:hiddenFill xmlns:a14="http://schemas.microsoft.com/office/drawing/2010/main">
                 <a:solidFill>
                   <a:schemeClr val="accent1"/>
                 </a:solidFill>
               </a14:hiddenFill>
             </a:ext>
             <a:ext uri="{91240B29-F687-4F45-9708-019B960494DF}">
-              <a14:hiddenLine xmlns:a14="http://schemas.microsoft.com/office/drawing/2010/main" xmlns="" w="9525">
+              <a14:hiddenLine xmlns:a14="http://schemas.microsoft.com/office/drawing/2010/main" w="9525">
                 <a:solidFill>
                   <a:schemeClr val="tx1"/>
                 </a:solidFill>
@@ -22062,7 +23074,7 @@
     </p:spTree>
     <p:extLst>
       <p:ext uri="{BB962C8B-B14F-4D97-AF65-F5344CB8AC3E}">
-        <p14:creationId xmlns:p14="http://schemas.microsoft.com/office/powerpoint/2010/main" xmlns="" val="268503816"/>
+        <p14:creationId xmlns:p14="http://schemas.microsoft.com/office/powerpoint/2010/main" val="268503816"/>
       </p:ext>
     </p:extLst>
   </p:cSld>
@@ -22460,7 +23472,7 @@
           <a:blip r:embed="rId2">
             <a:extLst>
               <a:ext uri="{28A0092B-C50C-407E-A947-70E740481C1C}">
-                <a14:useLocalDpi xmlns:a14="http://schemas.microsoft.com/office/drawing/2010/main" xmlns="" val="0"/>
+                <a14:useLocalDpi xmlns:a14="http://schemas.microsoft.com/office/drawing/2010/main" val="0"/>
               </a:ext>
             </a:extLst>
           </a:blip>
@@ -22480,7 +23492,7 @@
           <a:noFill/>
           <a:extLst>
             <a:ext uri="{909E8E84-426E-40DD-AFC4-6F175D3DCCD1}">
-              <a14:hiddenFill xmlns:a14="http://schemas.microsoft.com/office/drawing/2010/main" xmlns="">
+              <a14:hiddenFill xmlns:a14="http://schemas.microsoft.com/office/drawing/2010/main">
                 <a:solidFill>
                   <a:srgbClr val="FFFFFF"/>
                 </a:solidFill>
@@ -22492,7 +23504,7 @@
     </p:spTree>
     <p:extLst>
       <p:ext uri="{BB962C8B-B14F-4D97-AF65-F5344CB8AC3E}">
-        <p14:creationId xmlns:p14="http://schemas.microsoft.com/office/powerpoint/2010/main" xmlns="" val="1315685905"/>
+        <p14:creationId xmlns:p14="http://schemas.microsoft.com/office/powerpoint/2010/main" val="1315685905"/>
       </p:ext>
     </p:extLst>
   </p:cSld>
@@ -22851,7 +23863,7 @@
           <a:blip r:embed="rId2">
             <a:extLst>
               <a:ext uri="{28A0092B-C50C-407E-A947-70E740481C1C}">
-                <a14:useLocalDpi xmlns:a14="http://schemas.microsoft.com/office/drawing/2010/main" xmlns="" val="0"/>
+                <a14:useLocalDpi xmlns:a14="http://schemas.microsoft.com/office/drawing/2010/main" val="0"/>
               </a:ext>
             </a:extLst>
           </a:blip>
@@ -22871,7 +23883,7 @@
           <a:noFill/>
           <a:extLst>
             <a:ext uri="{909E8E84-426E-40DD-AFC4-6F175D3DCCD1}">
-              <a14:hiddenFill xmlns:a14="http://schemas.microsoft.com/office/drawing/2010/main" xmlns="">
+              <a14:hiddenFill xmlns:a14="http://schemas.microsoft.com/office/drawing/2010/main">
                 <a:solidFill>
                   <a:srgbClr val="FFFFFF"/>
                 </a:solidFill>
@@ -22883,7 +23895,7 @@
     </p:spTree>
     <p:extLst>
       <p:ext uri="{BB962C8B-B14F-4D97-AF65-F5344CB8AC3E}">
-        <p14:creationId xmlns:p14="http://schemas.microsoft.com/office/powerpoint/2010/main" xmlns="" val="3632516644"/>
+        <p14:creationId xmlns:p14="http://schemas.microsoft.com/office/powerpoint/2010/main" val="3632516644"/>
       </p:ext>
     </p:extLst>
   </p:cSld>
@@ -23282,7 +24294,7 @@
           <a:blip r:embed="rId2">
             <a:extLst>
               <a:ext uri="{28A0092B-C50C-407E-A947-70E740481C1C}">
-                <a14:useLocalDpi xmlns:a14="http://schemas.microsoft.com/office/drawing/2010/main" xmlns="" val="0"/>
+                <a14:useLocalDpi xmlns:a14="http://schemas.microsoft.com/office/drawing/2010/main" val="0"/>
               </a:ext>
             </a:extLst>
           </a:blip>
@@ -23302,7 +24314,7 @@
           <a:noFill/>
           <a:extLst>
             <a:ext uri="{909E8E84-426E-40DD-AFC4-6F175D3DCCD1}">
-              <a14:hiddenFill xmlns:a14="http://schemas.microsoft.com/office/drawing/2010/main" xmlns="">
+              <a14:hiddenFill xmlns:a14="http://schemas.microsoft.com/office/drawing/2010/main">
                 <a:solidFill>
                   <a:srgbClr val="FFFFFF"/>
                 </a:solidFill>
@@ -23314,7 +24326,7 @@
     </p:spTree>
     <p:extLst>
       <p:ext uri="{BB962C8B-B14F-4D97-AF65-F5344CB8AC3E}">
-        <p14:creationId xmlns:p14="http://schemas.microsoft.com/office/powerpoint/2010/main" xmlns="" val="4284566020"/>
+        <p14:creationId xmlns:p14="http://schemas.microsoft.com/office/powerpoint/2010/main" val="4284566020"/>
       </p:ext>
     </p:extLst>
   </p:cSld>
@@ -23474,7 +24486,7 @@
           <a:blip r:embed="rId2">
             <a:extLst>
               <a:ext uri="{28A0092B-C50C-407E-A947-70E740481C1C}">
-                <a14:useLocalDpi xmlns:a14="http://schemas.microsoft.com/office/drawing/2010/main" xmlns="" val="0"/>
+                <a14:useLocalDpi xmlns:a14="http://schemas.microsoft.com/office/drawing/2010/main" val="0"/>
               </a:ext>
             </a:extLst>
           </a:blip>
@@ -23497,14 +24509,14 @@
           </a:ln>
           <a:extLst>
             <a:ext uri="{909E8E84-426E-40DD-AFC4-6F175D3DCCD1}">
-              <a14:hiddenFill xmlns:a14="http://schemas.microsoft.com/office/drawing/2010/main" xmlns="">
+              <a14:hiddenFill xmlns:a14="http://schemas.microsoft.com/office/drawing/2010/main">
                 <a:solidFill>
                   <a:schemeClr val="accent1"/>
                 </a:solidFill>
               </a14:hiddenFill>
             </a:ext>
             <a:ext uri="{91240B29-F687-4F45-9708-019B960494DF}">
-              <a14:hiddenLine xmlns:a14="http://schemas.microsoft.com/office/drawing/2010/main" xmlns="" w="9525">
+              <a14:hiddenLine xmlns:a14="http://schemas.microsoft.com/office/drawing/2010/main" w="9525">
                 <a:solidFill>
                   <a:schemeClr val="tx1"/>
                 </a:solidFill>
@@ -23516,10 +24528,211 @@
           </a:extLst>
         </p:spPr>
       </p:pic>
+      <mc:AlternateContent xmlns:mc="http://schemas.openxmlformats.org/markup-compatibility/2006">
+        <mc:Choice xmlns:p14="http://schemas.microsoft.com/office/powerpoint/2010/main" Requires="p14">
+          <p:contentPart p14:bwMode="auto" r:id="rId3">
+            <p14:nvContentPartPr>
+              <p14:cNvPr id="5" name="잉크 4"/>
+              <p14:cNvContentPartPr/>
+              <p14:nvPr/>
+            </p14:nvContentPartPr>
+            <p14:xfrm>
+              <a:off x="2292216" y="3332544"/>
+              <a:ext cx="1028160" cy="870840"/>
+            </p14:xfrm>
+          </p:contentPart>
+        </mc:Choice>
+        <mc:Fallback>
+          <p:pic>
+            <p:nvPicPr>
+              <p:cNvPr id="5" name="잉크 4"/>
+              <p:cNvPicPr/>
+              <p:nvPr/>
+            </p:nvPicPr>
+            <p:blipFill>
+              <a:blip r:embed="rId4"/>
+              <a:stretch>
+                <a:fillRect/>
+              </a:stretch>
+            </p:blipFill>
+            <p:spPr>
+              <a:xfrm>
+                <a:off x="2280336" y="3320664"/>
+                <a:ext cx="1051920" cy="894600"/>
+              </a:xfrm>
+              <a:prstGeom prst="rect">
+                <a:avLst/>
+              </a:prstGeom>
+            </p:spPr>
+          </p:pic>
+        </mc:Fallback>
+      </mc:AlternateContent>
+      <mc:AlternateContent xmlns:mc="http://schemas.openxmlformats.org/markup-compatibility/2006">
+        <mc:Choice xmlns:p14="http://schemas.microsoft.com/office/powerpoint/2010/main" Requires="p14">
+          <p:contentPart p14:bwMode="auto" r:id="rId5">
+            <p14:nvContentPartPr>
+              <p14:cNvPr id="14" name="잉크 13"/>
+              <p14:cNvContentPartPr/>
+              <p14:nvPr/>
+            </p14:nvContentPartPr>
+            <p14:xfrm>
+              <a:off x="4096536" y="3669864"/>
+              <a:ext cx="1317240" cy="939240"/>
+            </p14:xfrm>
+          </p:contentPart>
+        </mc:Choice>
+        <mc:Fallback>
+          <p:pic>
+            <p:nvPicPr>
+              <p:cNvPr id="14" name="잉크 13"/>
+              <p:cNvPicPr/>
+              <p:nvPr/>
+            </p:nvPicPr>
+            <p:blipFill>
+              <a:blip r:embed="rId6"/>
+              <a:stretch>
+                <a:fillRect/>
+              </a:stretch>
+            </p:blipFill>
+            <p:spPr>
+              <a:xfrm>
+                <a:off x="4084656" y="3657984"/>
+                <a:ext cx="1341000" cy="963000"/>
+              </a:xfrm>
+              <a:prstGeom prst="rect">
+                <a:avLst/>
+              </a:prstGeom>
+            </p:spPr>
+          </p:pic>
+        </mc:Fallback>
+      </mc:AlternateContent>
+      <p:sp>
+        <p:nvSpPr>
+          <p:cNvPr id="19" name="TextBox 18"/>
+          <p:cNvSpPr txBox="1"/>
+          <p:nvPr/>
+        </p:nvSpPr>
+        <p:spPr>
+          <a:xfrm>
+            <a:off x="7022592" y="4609104"/>
+            <a:ext cx="856325" cy="584775"/>
+          </a:xfrm>
+          <a:prstGeom prst="rect">
+            <a:avLst/>
+          </a:prstGeom>
+          <a:noFill/>
+        </p:spPr>
+        <p:txBody>
+          <a:bodyPr wrap="none" rtlCol="0">
+            <a:spAutoFit/>
+          </a:bodyPr>
+          <a:lstStyle/>
+          <a:p>
+            <a:r>
+              <a:rPr lang="en-US" altLang="ko-KR" sz="1600" dirty="0" smtClean="0">
+                <a:latin typeface="HY바다L" pitchFamily="18" charset="-127"/>
+                <a:ea typeface="HY바다L" pitchFamily="18" charset="-127"/>
+              </a:rPr>
+              <a:t>Servlet</a:t>
+            </a:r>
+          </a:p>
+          <a:p>
+            <a:r>
+              <a:rPr lang="en-US" altLang="ko-KR" sz="1600" dirty="0" smtClean="0">
+                <a:latin typeface="HY바다L" pitchFamily="18" charset="-127"/>
+                <a:ea typeface="HY바다L" pitchFamily="18" charset="-127"/>
+              </a:rPr>
+              <a:t>JSP</a:t>
+            </a:r>
+            <a:endParaRPr lang="en-US" altLang="ko-KR" sz="1600" dirty="0">
+              <a:latin typeface="HY바다L" pitchFamily="18" charset="-127"/>
+              <a:ea typeface="HY바다L" pitchFamily="18" charset="-127"/>
+            </a:endParaRPr>
+          </a:p>
+        </p:txBody>
+      </p:sp>
+      <mc:AlternateContent xmlns:mc="http://schemas.openxmlformats.org/markup-compatibility/2006">
+        <mc:Choice xmlns:p14="http://schemas.microsoft.com/office/powerpoint/2010/main" Requires="p14">
+          <p:contentPart p14:bwMode="auto" r:id="rId7">
+            <p14:nvContentPartPr>
+              <p14:cNvPr id="21" name="잉크 20"/>
+              <p14:cNvContentPartPr/>
+              <p14:nvPr/>
+            </p14:nvContentPartPr>
+            <p14:xfrm>
+              <a:off x="2049576" y="2682384"/>
+              <a:ext cx="2595960" cy="360"/>
+            </p14:xfrm>
+          </p:contentPart>
+        </mc:Choice>
+        <mc:Fallback>
+          <p:pic>
+            <p:nvPicPr>
+              <p:cNvPr id="21" name="잉크 20"/>
+              <p:cNvPicPr/>
+              <p:nvPr/>
+            </p:nvPicPr>
+            <p:blipFill>
+              <a:blip r:embed="rId8"/>
+              <a:stretch>
+                <a:fillRect/>
+              </a:stretch>
+            </p:blipFill>
+            <p:spPr>
+              <a:xfrm>
+                <a:off x="2037696" y="2670504"/>
+                <a:ext cx="2619720" cy="24120"/>
+              </a:xfrm>
+              <a:prstGeom prst="rect">
+                <a:avLst/>
+              </a:prstGeom>
+            </p:spPr>
+          </p:pic>
+        </mc:Fallback>
+      </mc:AlternateContent>
+      <mc:AlternateContent xmlns:mc="http://schemas.openxmlformats.org/markup-compatibility/2006">
+        <mc:Choice xmlns:p14="http://schemas.microsoft.com/office/powerpoint/2010/main" Requires="p14">
+          <p:contentPart p14:bwMode="auto" r:id="rId9">
+            <p14:nvContentPartPr>
+              <p14:cNvPr id="22" name="잉크 21"/>
+              <p14:cNvContentPartPr/>
+              <p14:nvPr/>
+            </p14:nvContentPartPr>
+            <p14:xfrm>
+              <a:off x="3389496" y="3998904"/>
+              <a:ext cx="1585080" cy="390600"/>
+            </p14:xfrm>
+          </p:contentPart>
+        </mc:Choice>
+        <mc:Fallback>
+          <p:pic>
+            <p:nvPicPr>
+              <p:cNvPr id="22" name="잉크 21"/>
+              <p:cNvPicPr/>
+              <p:nvPr/>
+            </p:nvPicPr>
+            <p:blipFill>
+              <a:blip r:embed="rId10"/>
+              <a:stretch>
+                <a:fillRect/>
+              </a:stretch>
+            </p:blipFill>
+            <p:spPr>
+              <a:xfrm>
+                <a:off x="3377616" y="3987024"/>
+                <a:ext cx="1608840" cy="414360"/>
+              </a:xfrm>
+              <a:prstGeom prst="rect">
+                <a:avLst/>
+              </a:prstGeom>
+            </p:spPr>
+          </p:pic>
+        </mc:Fallback>
+      </mc:AlternateContent>
     </p:spTree>
     <p:extLst>
       <p:ext uri="{BB962C8B-B14F-4D97-AF65-F5344CB8AC3E}">
-        <p14:creationId xmlns:p14="http://schemas.microsoft.com/office/powerpoint/2010/main" xmlns="" val="1626449438"/>
+        <p14:creationId xmlns:p14="http://schemas.microsoft.com/office/powerpoint/2010/main" val="1626449438"/>
       </p:ext>
     </p:extLst>
   </p:cSld>
@@ -23985,7 +25198,7 @@
           <a:blip r:embed="rId2">
             <a:extLst>
               <a:ext uri="{28A0092B-C50C-407E-A947-70E740481C1C}">
-                <a14:useLocalDpi xmlns:a14="http://schemas.microsoft.com/office/drawing/2010/main" xmlns="" val="0"/>
+                <a14:useLocalDpi xmlns:a14="http://schemas.microsoft.com/office/drawing/2010/main" val="0"/>
               </a:ext>
             </a:extLst>
           </a:blip>
@@ -24005,7 +25218,7 @@
           <a:noFill/>
           <a:extLst>
             <a:ext uri="{909E8E84-426E-40DD-AFC4-6F175D3DCCD1}">
-              <a14:hiddenFill xmlns:a14="http://schemas.microsoft.com/office/drawing/2010/main" xmlns="">
+              <a14:hiddenFill xmlns:a14="http://schemas.microsoft.com/office/drawing/2010/main">
                 <a:solidFill>
                   <a:srgbClr val="FFFFFF"/>
                 </a:solidFill>
@@ -24017,7 +25230,7 @@
     </p:spTree>
     <p:extLst>
       <p:ext uri="{BB962C8B-B14F-4D97-AF65-F5344CB8AC3E}">
-        <p14:creationId xmlns:p14="http://schemas.microsoft.com/office/powerpoint/2010/main" xmlns="" val="641507937"/>
+        <p14:creationId xmlns:p14="http://schemas.microsoft.com/office/powerpoint/2010/main" val="641507937"/>
       </p:ext>
     </p:extLst>
   </p:cSld>
@@ -24520,7 +25733,7 @@
           <a:blip r:embed="rId2">
             <a:extLst>
               <a:ext uri="{28A0092B-C50C-407E-A947-70E740481C1C}">
-                <a14:useLocalDpi xmlns:a14="http://schemas.microsoft.com/office/drawing/2010/main" xmlns="" val="0"/>
+                <a14:useLocalDpi xmlns:a14="http://schemas.microsoft.com/office/drawing/2010/main" val="0"/>
               </a:ext>
             </a:extLst>
           </a:blip>
@@ -24540,7 +25753,7 @@
           <a:noFill/>
           <a:extLst>
             <a:ext uri="{909E8E84-426E-40DD-AFC4-6F175D3DCCD1}">
-              <a14:hiddenFill xmlns:a14="http://schemas.microsoft.com/office/drawing/2010/main" xmlns="">
+              <a14:hiddenFill xmlns:a14="http://schemas.microsoft.com/office/drawing/2010/main">
                 <a:solidFill>
                   <a:srgbClr val="FFFFFF"/>
                 </a:solidFill>
@@ -24552,7 +25765,7 @@
     </p:spTree>
     <p:extLst>
       <p:ext uri="{BB962C8B-B14F-4D97-AF65-F5344CB8AC3E}">
-        <p14:creationId xmlns:p14="http://schemas.microsoft.com/office/powerpoint/2010/main" xmlns="" val="2174378535"/>
+        <p14:creationId xmlns:p14="http://schemas.microsoft.com/office/powerpoint/2010/main" val="2174378535"/>
       </p:ext>
     </p:extLst>
   </p:cSld>
@@ -24646,7 +25859,7 @@
           <a:blip r:embed="rId2">
             <a:extLst>
               <a:ext uri="{28A0092B-C50C-407E-A947-70E740481C1C}">
-                <a14:useLocalDpi xmlns:a14="http://schemas.microsoft.com/office/drawing/2010/main" xmlns="" val="0"/>
+                <a14:useLocalDpi xmlns:a14="http://schemas.microsoft.com/office/drawing/2010/main" val="0"/>
               </a:ext>
             </a:extLst>
           </a:blip>
@@ -24669,14 +25882,14 @@
           </a:ln>
           <a:extLst>
             <a:ext uri="{909E8E84-426E-40DD-AFC4-6F175D3DCCD1}">
-              <a14:hiddenFill xmlns:a14="http://schemas.microsoft.com/office/drawing/2010/main" xmlns="">
+              <a14:hiddenFill xmlns:a14="http://schemas.microsoft.com/office/drawing/2010/main">
                 <a:solidFill>
                   <a:schemeClr val="accent1"/>
                 </a:solidFill>
               </a14:hiddenFill>
             </a:ext>
             <a:ext uri="{91240B29-F687-4F45-9708-019B960494DF}">
-              <a14:hiddenLine xmlns:a14="http://schemas.microsoft.com/office/drawing/2010/main" xmlns="" w="9525">
+              <a14:hiddenLine xmlns:a14="http://schemas.microsoft.com/office/drawing/2010/main" w="9525">
                 <a:solidFill>
                   <a:schemeClr val="tx1"/>
                 </a:solidFill>
@@ -24691,7 +25904,7 @@
     </p:spTree>
     <p:extLst>
       <p:ext uri="{BB962C8B-B14F-4D97-AF65-F5344CB8AC3E}">
-        <p14:creationId xmlns:p14="http://schemas.microsoft.com/office/powerpoint/2010/main" xmlns="" val="3568960899"/>
+        <p14:creationId xmlns:p14="http://schemas.microsoft.com/office/powerpoint/2010/main" val="3568960899"/>
       </p:ext>
     </p:extLst>
   </p:cSld>
@@ -24950,7 +26163,7 @@
     </p:spTree>
     <p:extLst>
       <p:ext uri="{BB962C8B-B14F-4D97-AF65-F5344CB8AC3E}">
-        <p14:creationId xmlns:p14="http://schemas.microsoft.com/office/powerpoint/2010/main" xmlns="" val="1272379774"/>
+        <p14:creationId xmlns:p14="http://schemas.microsoft.com/office/powerpoint/2010/main" val="1272379774"/>
       </p:ext>
     </p:extLst>
   </p:cSld>
@@ -25551,7 +26764,7 @@
     </p:spTree>
     <p:extLst>
       <p:ext uri="{BB962C8B-B14F-4D97-AF65-F5344CB8AC3E}">
-        <p14:creationId xmlns:p14="http://schemas.microsoft.com/office/powerpoint/2010/main" xmlns="" val="1159441982"/>
+        <p14:creationId xmlns:p14="http://schemas.microsoft.com/office/powerpoint/2010/main" val="1159441982"/>
       </p:ext>
     </p:extLst>
   </p:cSld>
@@ -26220,7 +27433,7 @@
     </p:spTree>
     <p:extLst>
       <p:ext uri="{BB962C8B-B14F-4D97-AF65-F5344CB8AC3E}">
-        <p14:creationId xmlns:p14="http://schemas.microsoft.com/office/powerpoint/2010/main" xmlns="" val="2282822527"/>
+        <p14:creationId xmlns:p14="http://schemas.microsoft.com/office/powerpoint/2010/main" val="2282822527"/>
       </p:ext>
     </p:extLst>
   </p:cSld>
@@ -26722,7 +27935,7 @@
     </p:spTree>
     <p:extLst>
       <p:ext uri="{BB962C8B-B14F-4D97-AF65-F5344CB8AC3E}">
-        <p14:creationId xmlns:p14="http://schemas.microsoft.com/office/powerpoint/2010/main" xmlns="" val="1220900687"/>
+        <p14:creationId xmlns:p14="http://schemas.microsoft.com/office/powerpoint/2010/main" val="1220900687"/>
       </p:ext>
     </p:extLst>
   </p:cSld>
@@ -27188,7 +28401,7 @@
     </p:spTree>
     <p:extLst>
       <p:ext uri="{BB962C8B-B14F-4D97-AF65-F5344CB8AC3E}">
-        <p14:creationId xmlns:p14="http://schemas.microsoft.com/office/powerpoint/2010/main" xmlns="" val="1153430103"/>
+        <p14:creationId xmlns:p14="http://schemas.microsoft.com/office/powerpoint/2010/main" val="1153430103"/>
       </p:ext>
     </p:extLst>
   </p:cSld>
@@ -27827,7 +29040,7 @@
     </p:spTree>
     <p:extLst>
       <p:ext uri="{BB962C8B-B14F-4D97-AF65-F5344CB8AC3E}">
-        <p14:creationId xmlns:p14="http://schemas.microsoft.com/office/powerpoint/2010/main" xmlns="" val="3030147758"/>
+        <p14:creationId xmlns:p14="http://schemas.microsoft.com/office/powerpoint/2010/main" val="3030147758"/>
       </p:ext>
     </p:extLst>
   </p:cSld>
@@ -28656,7 +29869,7 @@
     </p:spTree>
     <p:extLst>
       <p:ext uri="{BB962C8B-B14F-4D97-AF65-F5344CB8AC3E}">
-        <p14:creationId xmlns:p14="http://schemas.microsoft.com/office/powerpoint/2010/main" xmlns="" val="2345628269"/>
+        <p14:creationId xmlns:p14="http://schemas.microsoft.com/office/powerpoint/2010/main" val="2345628269"/>
       </p:ext>
     </p:extLst>
   </p:cSld>
@@ -28838,7 +30051,7 @@
           <a:blip r:embed="rId2">
             <a:extLst>
               <a:ext uri="{28A0092B-C50C-407E-A947-70E740481C1C}">
-                <a14:useLocalDpi xmlns:a14="http://schemas.microsoft.com/office/drawing/2010/main" xmlns="" val="0"/>
+                <a14:useLocalDpi xmlns:a14="http://schemas.microsoft.com/office/drawing/2010/main" val="0"/>
               </a:ext>
             </a:extLst>
           </a:blip>
@@ -28861,14 +30074,14 @@
           </a:ln>
           <a:extLst>
             <a:ext uri="{909E8E84-426E-40DD-AFC4-6F175D3DCCD1}">
-              <a14:hiddenFill xmlns:a14="http://schemas.microsoft.com/office/drawing/2010/main" xmlns="">
+              <a14:hiddenFill xmlns:a14="http://schemas.microsoft.com/office/drawing/2010/main">
                 <a:solidFill>
                   <a:schemeClr val="accent1"/>
                 </a:solidFill>
               </a14:hiddenFill>
             </a:ext>
             <a:ext uri="{91240B29-F687-4F45-9708-019B960494DF}">
-              <a14:hiddenLine xmlns:a14="http://schemas.microsoft.com/office/drawing/2010/main" xmlns="" w="9525">
+              <a14:hiddenLine xmlns:a14="http://schemas.microsoft.com/office/drawing/2010/main" w="9525">
                 <a:solidFill>
                   <a:schemeClr val="tx1"/>
                 </a:solidFill>
@@ -28945,10 +30158,205 @@
           </a:p>
         </p:txBody>
       </p:sp>
+      <mc:AlternateContent xmlns:mc="http://schemas.openxmlformats.org/markup-compatibility/2006">
+        <mc:Choice xmlns:p14="http://schemas.microsoft.com/office/powerpoint/2010/main" Requires="p14">
+          <p:contentPart p14:bwMode="auto" r:id="rId3">
+            <p14:nvContentPartPr>
+              <p14:cNvPr id="7" name="잉크 6"/>
+              <p14:cNvContentPartPr/>
+              <p14:nvPr/>
+            </p14:nvContentPartPr>
+            <p14:xfrm>
+              <a:off x="2938416" y="829104"/>
+              <a:ext cx="878040" cy="360"/>
+            </p14:xfrm>
+          </p:contentPart>
+        </mc:Choice>
+        <mc:Fallback>
+          <p:pic>
+            <p:nvPicPr>
+              <p:cNvPr id="7" name="잉크 6"/>
+              <p:cNvPicPr/>
+              <p:nvPr/>
+            </p:nvPicPr>
+            <p:blipFill>
+              <a:blip r:embed="rId4"/>
+              <a:stretch>
+                <a:fillRect/>
+              </a:stretch>
+            </p:blipFill>
+            <p:spPr>
+              <a:xfrm>
+                <a:off x="2926536" y="817224"/>
+                <a:ext cx="901800" cy="24120"/>
+              </a:xfrm>
+              <a:prstGeom prst="rect">
+                <a:avLst/>
+              </a:prstGeom>
+            </p:spPr>
+          </p:pic>
+        </mc:Fallback>
+      </mc:AlternateContent>
+      <mc:AlternateContent xmlns:mc="http://schemas.openxmlformats.org/markup-compatibility/2006">
+        <mc:Choice xmlns:p14="http://schemas.microsoft.com/office/powerpoint/2010/main" Requires="p14">
+          <p:contentPart p14:bwMode="auto" r:id="rId5">
+            <p14:nvContentPartPr>
+              <p14:cNvPr id="8" name="잉크 7"/>
+              <p14:cNvContentPartPr/>
+              <p14:nvPr/>
+            </p14:nvContentPartPr>
+            <p14:xfrm>
+              <a:off x="3047856" y="853584"/>
+              <a:ext cx="841680" cy="85680"/>
+            </p14:xfrm>
+          </p:contentPart>
+        </mc:Choice>
+        <mc:Fallback>
+          <p:pic>
+            <p:nvPicPr>
+              <p:cNvPr id="8" name="잉크 7"/>
+              <p:cNvPicPr/>
+              <p:nvPr/>
+            </p:nvPicPr>
+            <p:blipFill>
+              <a:blip r:embed="rId6"/>
+              <a:stretch>
+                <a:fillRect/>
+              </a:stretch>
+            </p:blipFill>
+            <p:spPr>
+              <a:xfrm>
+                <a:off x="3035976" y="841704"/>
+                <a:ext cx="865440" cy="109440"/>
+              </a:xfrm>
+              <a:prstGeom prst="rect">
+                <a:avLst/>
+              </a:prstGeom>
+            </p:spPr>
+          </p:pic>
+        </mc:Fallback>
+      </mc:AlternateContent>
+      <mc:AlternateContent xmlns:mc="http://schemas.openxmlformats.org/markup-compatibility/2006">
+        <mc:Choice xmlns:p14="http://schemas.microsoft.com/office/powerpoint/2010/main" Requires="p14">
+          <p:contentPart p14:bwMode="auto" r:id="rId7">
+            <p14:nvContentPartPr>
+              <p14:cNvPr id="10" name="잉크 9"/>
+              <p14:cNvContentPartPr/>
+              <p14:nvPr/>
+            </p14:nvContentPartPr>
+            <p14:xfrm>
+              <a:off x="2292216" y="2642064"/>
+              <a:ext cx="1719360" cy="16200"/>
+            </p14:xfrm>
+          </p:contentPart>
+        </mc:Choice>
+        <mc:Fallback>
+          <p:pic>
+            <p:nvPicPr>
+              <p:cNvPr id="10" name="잉크 9"/>
+              <p:cNvPicPr/>
+              <p:nvPr/>
+            </p:nvPicPr>
+            <p:blipFill>
+              <a:blip r:embed="rId8"/>
+              <a:stretch>
+                <a:fillRect/>
+              </a:stretch>
+            </p:blipFill>
+            <p:spPr>
+              <a:xfrm>
+                <a:off x="2280336" y="2630184"/>
+                <a:ext cx="1743120" cy="39960"/>
+              </a:xfrm>
+              <a:prstGeom prst="rect">
+                <a:avLst/>
+              </a:prstGeom>
+            </p:spPr>
+          </p:pic>
+        </mc:Fallback>
+      </mc:AlternateContent>
+      <mc:AlternateContent xmlns:mc="http://schemas.openxmlformats.org/markup-compatibility/2006">
+        <mc:Choice xmlns:p14="http://schemas.microsoft.com/office/powerpoint/2010/main" Requires="p14">
+          <p:contentPart p14:bwMode="auto" r:id="rId9">
+            <p14:nvContentPartPr>
+              <p14:cNvPr id="12" name="잉크 11"/>
+              <p14:cNvContentPartPr/>
+              <p14:nvPr/>
+            </p14:nvContentPartPr>
+            <p14:xfrm>
+              <a:off x="1328856" y="3657624"/>
+              <a:ext cx="1219680" cy="360"/>
+            </p14:xfrm>
+          </p:contentPart>
+        </mc:Choice>
+        <mc:Fallback>
+          <p:pic>
+            <p:nvPicPr>
+              <p:cNvPr id="12" name="잉크 11"/>
+              <p:cNvPicPr/>
+              <p:nvPr/>
+            </p:nvPicPr>
+            <p:blipFill>
+              <a:blip r:embed="rId10"/>
+              <a:stretch>
+                <a:fillRect/>
+              </a:stretch>
+            </p:blipFill>
+            <p:spPr>
+              <a:xfrm>
+                <a:off x="1316976" y="3645744"/>
+                <a:ext cx="1243440" cy="24120"/>
+              </a:xfrm>
+              <a:prstGeom prst="rect">
+                <a:avLst/>
+              </a:prstGeom>
+            </p:spPr>
+          </p:pic>
+        </mc:Fallback>
+      </mc:AlternateContent>
+      <mc:AlternateContent xmlns:mc="http://schemas.openxmlformats.org/markup-compatibility/2006">
+        <mc:Choice xmlns:p14="http://schemas.microsoft.com/office/powerpoint/2010/main" Requires="p14">
+          <p:contentPart p14:bwMode="auto" r:id="rId11">
+            <p14:nvContentPartPr>
+              <p14:cNvPr id="14" name="잉크 13"/>
+              <p14:cNvContentPartPr/>
+              <p14:nvPr/>
+            </p14:nvContentPartPr>
+            <p14:xfrm>
+              <a:off x="5913096" y="3669864"/>
+              <a:ext cx="1378080" cy="360"/>
+            </p14:xfrm>
+          </p:contentPart>
+        </mc:Choice>
+        <mc:Fallback>
+          <p:pic>
+            <p:nvPicPr>
+              <p:cNvPr id="14" name="잉크 13"/>
+              <p:cNvPicPr/>
+              <p:nvPr/>
+            </p:nvPicPr>
+            <p:blipFill>
+              <a:blip r:embed="rId12"/>
+              <a:stretch>
+                <a:fillRect/>
+              </a:stretch>
+            </p:blipFill>
+            <p:spPr>
+              <a:xfrm>
+                <a:off x="5901216" y="3657984"/>
+                <a:ext cx="1401840" cy="24120"/>
+              </a:xfrm>
+              <a:prstGeom prst="rect">
+                <a:avLst/>
+              </a:prstGeom>
+            </p:spPr>
+          </p:pic>
+        </mc:Fallback>
+      </mc:AlternateContent>
     </p:spTree>
     <p:extLst>
       <p:ext uri="{BB962C8B-B14F-4D97-AF65-F5344CB8AC3E}">
-        <p14:creationId xmlns:p14="http://schemas.microsoft.com/office/powerpoint/2010/main" xmlns="" val="678037200"/>
+        <p14:creationId xmlns:p14="http://schemas.microsoft.com/office/powerpoint/2010/main" val="678037200"/>
       </p:ext>
     </p:extLst>
   </p:cSld>
@@ -29358,7 +30766,7 @@
     </p:spTree>
     <p:extLst>
       <p:ext uri="{BB962C8B-B14F-4D97-AF65-F5344CB8AC3E}">
-        <p14:creationId xmlns:p14="http://schemas.microsoft.com/office/powerpoint/2010/main" xmlns="" val="1252710582"/>
+        <p14:creationId xmlns:p14="http://schemas.microsoft.com/office/powerpoint/2010/main" val="1252710582"/>
       </p:ext>
     </p:extLst>
   </p:cSld>
@@ -29421,7 +30829,7 @@
           <a:blip r:embed="rId2">
             <a:extLst>
               <a:ext uri="{28A0092B-C50C-407E-A947-70E740481C1C}">
-                <a14:useLocalDpi xmlns:a14="http://schemas.microsoft.com/office/drawing/2010/main" xmlns="" val="0"/>
+                <a14:useLocalDpi xmlns:a14="http://schemas.microsoft.com/office/drawing/2010/main" val="0"/>
               </a:ext>
             </a:extLst>
           </a:blip>
@@ -29441,7 +30849,7 @@
           <a:noFill/>
           <a:extLst>
             <a:ext uri="{909E8E84-426E-40DD-AFC4-6F175D3DCCD1}">
-              <a14:hiddenFill xmlns:a14="http://schemas.microsoft.com/office/drawing/2010/main" xmlns="">
+              <a14:hiddenFill xmlns:a14="http://schemas.microsoft.com/office/drawing/2010/main">
                 <a:solidFill>
                   <a:srgbClr val="FFFFFF"/>
                 </a:solidFill>
@@ -29462,7 +30870,7 @@
           <a:blip r:embed="rId3">
             <a:extLst>
               <a:ext uri="{28A0092B-C50C-407E-A947-70E740481C1C}">
-                <a14:useLocalDpi xmlns:a14="http://schemas.microsoft.com/office/drawing/2010/main" xmlns="" val="0"/>
+                <a14:useLocalDpi xmlns:a14="http://schemas.microsoft.com/office/drawing/2010/main" val="0"/>
               </a:ext>
             </a:extLst>
           </a:blip>
@@ -29482,7 +30890,7 @@
           <a:noFill/>
           <a:extLst>
             <a:ext uri="{909E8E84-426E-40DD-AFC4-6F175D3DCCD1}">
-              <a14:hiddenFill xmlns:a14="http://schemas.microsoft.com/office/drawing/2010/main" xmlns="">
+              <a14:hiddenFill xmlns:a14="http://schemas.microsoft.com/office/drawing/2010/main">
                 <a:solidFill>
                   <a:srgbClr val="FFFFFF"/>
                 </a:solidFill>
@@ -29494,7 +30902,7 @@
     </p:spTree>
     <p:extLst>
       <p:ext uri="{BB962C8B-B14F-4D97-AF65-F5344CB8AC3E}">
-        <p14:creationId xmlns:p14="http://schemas.microsoft.com/office/powerpoint/2010/main" xmlns="" val="536136788"/>
+        <p14:creationId xmlns:p14="http://schemas.microsoft.com/office/powerpoint/2010/main" val="536136788"/>
       </p:ext>
     </p:extLst>
   </p:cSld>
@@ -29811,7 +31219,7 @@
           <a:blip r:embed="rId2">
             <a:extLst>
               <a:ext uri="{28A0092B-C50C-407E-A947-70E740481C1C}">
-                <a14:useLocalDpi xmlns:a14="http://schemas.microsoft.com/office/drawing/2010/main" xmlns="" val="0"/>
+                <a14:useLocalDpi xmlns:a14="http://schemas.microsoft.com/office/drawing/2010/main" val="0"/>
               </a:ext>
             </a:extLst>
           </a:blip>
@@ -29834,14 +31242,14 @@
           </a:ln>
           <a:extLst>
             <a:ext uri="{909E8E84-426E-40DD-AFC4-6F175D3DCCD1}">
-              <a14:hiddenFill xmlns:a14="http://schemas.microsoft.com/office/drawing/2010/main" xmlns="">
+              <a14:hiddenFill xmlns:a14="http://schemas.microsoft.com/office/drawing/2010/main">
                 <a:solidFill>
                   <a:schemeClr val="accent1"/>
                 </a:solidFill>
               </a14:hiddenFill>
             </a:ext>
             <a:ext uri="{91240B29-F687-4F45-9708-019B960494DF}">
-              <a14:hiddenLine xmlns:a14="http://schemas.microsoft.com/office/drawing/2010/main" xmlns="" w="9525">
+              <a14:hiddenLine xmlns:a14="http://schemas.microsoft.com/office/drawing/2010/main" w="9525">
                 <a:solidFill>
                   <a:schemeClr val="tx1"/>
                 </a:solidFill>
@@ -29953,6 +31361,332 @@
               </a:rPr>
               <a:t> 모든 기능이 함께 있는 복잡한 코드</a:t>
             </a:r>
+          </a:p>
+        </p:txBody>
+      </p:sp>
+      <mc:AlternateContent xmlns:mc="http://schemas.openxmlformats.org/markup-compatibility/2006">
+        <mc:Choice xmlns:p14="http://schemas.microsoft.com/office/powerpoint/2010/main" Requires="p14">
+          <p:contentPart p14:bwMode="auto" r:id="rId3">
+            <p14:nvContentPartPr>
+              <p14:cNvPr id="17" name="잉크 16"/>
+              <p14:cNvContentPartPr/>
+              <p14:nvPr/>
+            </p14:nvContentPartPr>
+            <p14:xfrm>
+              <a:off x="5169336" y="207384"/>
+              <a:ext cx="27360" cy="109800"/>
+            </p14:xfrm>
+          </p:contentPart>
+        </mc:Choice>
+        <mc:Fallback>
+          <p:pic>
+            <p:nvPicPr>
+              <p:cNvPr id="17" name="잉크 16"/>
+              <p:cNvPicPr/>
+              <p:nvPr/>
+            </p:nvPicPr>
+            <p:blipFill>
+              <a:blip r:embed="rId4"/>
+              <a:stretch>
+                <a:fillRect/>
+              </a:stretch>
+            </p:blipFill>
+            <p:spPr>
+              <a:xfrm>
+                <a:off x="5157456" y="195504"/>
+                <a:ext cx="51120" cy="133560"/>
+              </a:xfrm>
+              <a:prstGeom prst="rect">
+                <a:avLst/>
+              </a:prstGeom>
+            </p:spPr>
+          </p:pic>
+        </mc:Fallback>
+      </mc:AlternateContent>
+      <mc:AlternateContent xmlns:mc="http://schemas.openxmlformats.org/markup-compatibility/2006">
+        <mc:Choice xmlns:p14="http://schemas.microsoft.com/office/powerpoint/2010/main" Requires="p14">
+          <p:contentPart p14:bwMode="auto" r:id="rId5">
+            <p14:nvContentPartPr>
+              <p14:cNvPr id="18" name="잉크 17"/>
+              <p14:cNvContentPartPr/>
+              <p14:nvPr/>
+            </p14:nvContentPartPr>
+            <p14:xfrm>
+              <a:off x="5181576" y="243744"/>
+              <a:ext cx="28800" cy="524880"/>
+            </p14:xfrm>
+          </p:contentPart>
+        </mc:Choice>
+        <mc:Fallback>
+          <p:pic>
+            <p:nvPicPr>
+              <p:cNvPr id="18" name="잉크 17"/>
+              <p:cNvPicPr/>
+              <p:nvPr/>
+            </p:nvPicPr>
+            <p:blipFill>
+              <a:blip r:embed="rId6"/>
+              <a:stretch>
+                <a:fillRect/>
+              </a:stretch>
+            </p:blipFill>
+            <p:spPr>
+              <a:xfrm>
+                <a:off x="5169696" y="231864"/>
+                <a:ext cx="52560" cy="548640"/>
+              </a:xfrm>
+              <a:prstGeom prst="rect">
+                <a:avLst/>
+              </a:prstGeom>
+            </p:spPr>
+          </p:pic>
+        </mc:Fallback>
+      </mc:AlternateContent>
+      <mc:AlternateContent xmlns:mc="http://schemas.openxmlformats.org/markup-compatibility/2006">
+        <mc:Choice xmlns:p14="http://schemas.microsoft.com/office/powerpoint/2010/main" Requires="p14">
+          <p:contentPart p14:bwMode="auto" r:id="rId7">
+            <p14:nvContentPartPr>
+              <p14:cNvPr id="19" name="잉크 18"/>
+              <p14:cNvContentPartPr/>
+              <p14:nvPr/>
+            </p14:nvContentPartPr>
+            <p14:xfrm>
+              <a:off x="5303616" y="810024"/>
+              <a:ext cx="756000" cy="19440"/>
+            </p14:xfrm>
+          </p:contentPart>
+        </mc:Choice>
+        <mc:Fallback>
+          <p:pic>
+            <p:nvPicPr>
+              <p:cNvPr id="19" name="잉크 18"/>
+              <p:cNvPicPr/>
+              <p:nvPr/>
+            </p:nvPicPr>
+            <p:blipFill>
+              <a:blip r:embed="rId8"/>
+              <a:stretch>
+                <a:fillRect/>
+              </a:stretch>
+            </p:blipFill>
+            <p:spPr>
+              <a:xfrm>
+                <a:off x="5291736" y="798144"/>
+                <a:ext cx="779760" cy="43200"/>
+              </a:xfrm>
+              <a:prstGeom prst="rect">
+                <a:avLst/>
+              </a:prstGeom>
+            </p:spPr>
+          </p:pic>
+        </mc:Fallback>
+      </mc:AlternateContent>
+      <mc:AlternateContent xmlns:mc="http://schemas.openxmlformats.org/markup-compatibility/2006">
+        <mc:Choice xmlns:p14="http://schemas.microsoft.com/office/powerpoint/2010/main" Requires="p14">
+          <p:contentPart p14:bwMode="auto" r:id="rId9">
+            <p14:nvContentPartPr>
+              <p14:cNvPr id="20" name="잉크 19"/>
+              <p14:cNvContentPartPr/>
+              <p14:nvPr/>
+            </p14:nvContentPartPr>
+            <p14:xfrm>
+              <a:off x="4620696" y="864384"/>
+              <a:ext cx="427320" cy="50400"/>
+            </p14:xfrm>
+          </p:contentPart>
+        </mc:Choice>
+        <mc:Fallback>
+          <p:pic>
+            <p:nvPicPr>
+              <p:cNvPr id="20" name="잉크 19"/>
+              <p:cNvPicPr/>
+              <p:nvPr/>
+            </p:nvPicPr>
+            <p:blipFill>
+              <a:blip r:embed="rId10"/>
+              <a:stretch>
+                <a:fillRect/>
+              </a:stretch>
+            </p:blipFill>
+            <p:spPr>
+              <a:xfrm>
+                <a:off x="4608816" y="852504"/>
+                <a:ext cx="451080" cy="74160"/>
+              </a:xfrm>
+              <a:prstGeom prst="rect">
+                <a:avLst/>
+              </a:prstGeom>
+            </p:spPr>
+          </p:pic>
+        </mc:Fallback>
+      </mc:AlternateContent>
+      <mc:AlternateContent xmlns:mc="http://schemas.openxmlformats.org/markup-compatibility/2006">
+        <mc:Choice xmlns:p14="http://schemas.microsoft.com/office/powerpoint/2010/main" Requires="p14">
+          <p:contentPart p14:bwMode="auto" r:id="rId11">
+            <p14:nvContentPartPr>
+              <p14:cNvPr id="25" name="잉크 24"/>
+              <p14:cNvContentPartPr/>
+              <p14:nvPr/>
+            </p14:nvContentPartPr>
+            <p14:xfrm>
+              <a:off x="5510616" y="889944"/>
+              <a:ext cx="281520" cy="306000"/>
+            </p14:xfrm>
+          </p:contentPart>
+        </mc:Choice>
+        <mc:Fallback>
+          <p:pic>
+            <p:nvPicPr>
+              <p:cNvPr id="25" name="잉크 24"/>
+              <p:cNvPicPr/>
+              <p:nvPr/>
+            </p:nvPicPr>
+            <p:blipFill>
+              <a:blip r:embed="rId12"/>
+              <a:stretch>
+                <a:fillRect/>
+              </a:stretch>
+            </p:blipFill>
+            <p:spPr>
+              <a:xfrm>
+                <a:off x="5498736" y="878064"/>
+                <a:ext cx="305280" cy="329760"/>
+              </a:xfrm>
+              <a:prstGeom prst="rect">
+                <a:avLst/>
+              </a:prstGeom>
+            </p:spPr>
+          </p:pic>
+        </mc:Fallback>
+      </mc:AlternateContent>
+      <mc:AlternateContent xmlns:mc="http://schemas.openxmlformats.org/markup-compatibility/2006">
+        <mc:Choice xmlns:p14="http://schemas.microsoft.com/office/powerpoint/2010/main" Requires="p14">
+          <p:contentPart p14:bwMode="auto" r:id="rId13">
+            <p14:nvContentPartPr>
+              <p14:cNvPr id="28" name="잉크 27"/>
+              <p14:cNvContentPartPr/>
+              <p14:nvPr/>
+            </p14:nvContentPartPr>
+            <p14:xfrm>
+              <a:off x="2182416" y="6284544"/>
+              <a:ext cx="2255760" cy="56520"/>
+            </p14:xfrm>
+          </p:contentPart>
+        </mc:Choice>
+        <mc:Fallback>
+          <p:pic>
+            <p:nvPicPr>
+              <p:cNvPr id="28" name="잉크 27"/>
+              <p:cNvPicPr/>
+              <p:nvPr/>
+            </p:nvPicPr>
+            <p:blipFill>
+              <a:blip r:embed="rId14"/>
+              <a:stretch>
+                <a:fillRect/>
+              </a:stretch>
+            </p:blipFill>
+            <p:spPr>
+              <a:xfrm>
+                <a:off x="2170536" y="6272664"/>
+                <a:ext cx="2279520" cy="80280"/>
+              </a:xfrm>
+              <a:prstGeom prst="rect">
+                <a:avLst/>
+              </a:prstGeom>
+            </p:spPr>
+          </p:pic>
+        </mc:Fallback>
+      </mc:AlternateContent>
+      <mc:AlternateContent xmlns:mc="http://schemas.openxmlformats.org/markup-compatibility/2006">
+        <mc:Choice xmlns:p14="http://schemas.microsoft.com/office/powerpoint/2010/main" Requires="p14">
+          <p:contentPart p14:bwMode="auto" r:id="rId15">
+            <p14:nvContentPartPr>
+              <p14:cNvPr id="30" name="잉크 29"/>
+              <p14:cNvContentPartPr/>
+              <p14:nvPr/>
+            </p14:nvContentPartPr>
+            <p14:xfrm>
+              <a:off x="6876456" y="4694064"/>
+              <a:ext cx="682920" cy="183240"/>
+            </p14:xfrm>
+          </p:contentPart>
+        </mc:Choice>
+        <mc:Fallback>
+          <p:pic>
+            <p:nvPicPr>
+              <p:cNvPr id="30" name="잉크 29"/>
+              <p:cNvPicPr/>
+              <p:nvPr/>
+            </p:nvPicPr>
+            <p:blipFill>
+              <a:blip r:embed="rId16"/>
+              <a:stretch>
+                <a:fillRect/>
+              </a:stretch>
+            </p:blipFill>
+            <p:spPr>
+              <a:xfrm>
+                <a:off x="6864576" y="4682184"/>
+                <a:ext cx="706680" cy="207000"/>
+              </a:xfrm>
+              <a:prstGeom prst="rect">
+                <a:avLst/>
+              </a:prstGeom>
+            </p:spPr>
+          </p:pic>
+        </mc:Fallback>
+      </mc:AlternateContent>
+      <p:sp>
+        <p:nvSpPr>
+          <p:cNvPr id="34" name="TextBox 33"/>
+          <p:cNvSpPr txBox="1"/>
+          <p:nvPr/>
+        </p:nvSpPr>
+        <p:spPr>
+          <a:xfrm>
+            <a:off x="6205728" y="243744"/>
+            <a:ext cx="2702984" cy="338554"/>
+          </a:xfrm>
+          <a:prstGeom prst="rect">
+            <a:avLst/>
+          </a:prstGeom>
+          <a:noFill/>
+        </p:spPr>
+        <p:txBody>
+          <a:bodyPr wrap="none" rtlCol="0">
+            <a:spAutoFit/>
+          </a:bodyPr>
+          <a:lstStyle/>
+          <a:p>
+            <a:r>
+              <a:rPr lang="ko-KR" altLang="en-US" sz="1600" dirty="0" smtClean="0">
+                <a:latin typeface="HY바다L" pitchFamily="18" charset="-127"/>
+                <a:ea typeface="HY바다L" pitchFamily="18" charset="-127"/>
+              </a:rPr>
+              <a:t>자바프로그램에서 </a:t>
+            </a:r>
+            <a:r>
+              <a:rPr lang="en-US" altLang="ko-KR" sz="1600" dirty="0" smtClean="0">
+                <a:latin typeface="HY바다L" pitchFamily="18" charset="-127"/>
+                <a:ea typeface="HY바다L" pitchFamily="18" charset="-127"/>
+              </a:rPr>
+              <a:t>html</a:t>
+            </a:r>
+            <a:r>
+              <a:rPr lang="ko-KR" altLang="en-US" sz="1600" dirty="0" smtClean="0">
+                <a:latin typeface="HY바다L" pitchFamily="18" charset="-127"/>
+                <a:ea typeface="HY바다L" pitchFamily="18" charset="-127"/>
+              </a:rPr>
+              <a:t>출</a:t>
+            </a:r>
+            <a:r>
+              <a:rPr lang="ko-KR" altLang="en-US" sz="1600" dirty="0" smtClean="0">
+                <a:latin typeface="HY바다L" pitchFamily="18" charset="-127"/>
+                <a:ea typeface="HY바다L" pitchFamily="18" charset="-127"/>
+              </a:rPr>
+              <a:t>력</a:t>
+            </a:r>
             <a:endParaRPr lang="ko-KR" altLang="en-US" sz="1600" dirty="0" smtClean="0">
               <a:latin typeface="HY바다L" pitchFamily="18" charset="-127"/>
               <a:ea typeface="HY바다L" pitchFamily="18" charset="-127"/>
@@ -29963,7 +31697,7 @@
     </p:spTree>
     <p:extLst>
       <p:ext uri="{BB962C8B-B14F-4D97-AF65-F5344CB8AC3E}">
-        <p14:creationId xmlns:p14="http://schemas.microsoft.com/office/powerpoint/2010/main" xmlns="" val="54493621"/>
+        <p14:creationId xmlns:p14="http://schemas.microsoft.com/office/powerpoint/2010/main" val="54493621"/>
       </p:ext>
     </p:extLst>
   </p:cSld>
@@ -30030,7 +31764,7 @@
           <a:lstStyle/>
           <a:p>
             <a:r>
-              <a:rPr altLang="ko-KR" smtClean="0"/>
+              <a:rPr altLang="ko-KR" dirty="0" smtClean="0"/>
               <a:t>HTML </a:t>
             </a:r>
             <a:r>
@@ -30038,18 +31772,18 @@
               <a:t>문서를 위주로 필요 시 해당 영역에 </a:t>
             </a:r>
             <a:r>
-              <a:rPr altLang="ko-KR" smtClean="0"/>
+              <a:rPr altLang="ko-KR" dirty="0" smtClean="0"/>
               <a:t>Java </a:t>
             </a:r>
             <a:r>
               <a:rPr lang="ko-KR" altLang="en-US" dirty="0" smtClean="0"/>
               <a:t>코드 삽입</a:t>
             </a:r>
-            <a:endParaRPr altLang="ko-KR" smtClean="0"/>
-          </a:p>
-          <a:p>
-            <a:r>
-              <a:rPr altLang="ko-KR" smtClean="0"/>
+            <a:endParaRPr altLang="ko-KR" dirty="0" smtClean="0"/>
+          </a:p>
+          <a:p>
+            <a:r>
+              <a:rPr altLang="ko-KR" dirty="0" smtClean="0"/>
               <a:t>JSP</a:t>
             </a:r>
             <a:r>
@@ -30061,19 +31795,19 @@
               <a:t> 처리 할 수 있는 장치가 필요하며 이를 </a:t>
             </a:r>
             <a:r>
-              <a:rPr altLang="ko-KR" smtClean="0"/>
+              <a:rPr altLang="ko-KR" dirty="0" smtClean="0"/>
               <a:t>JSP </a:t>
             </a:r>
             <a:r>
               <a:rPr lang="ko-KR" altLang="en-US" dirty="0" smtClean="0"/>
               <a:t>엔진이라 한다</a:t>
             </a:r>
-            <a:endParaRPr altLang="ko-KR" smtClean="0"/>
+            <a:endParaRPr altLang="ko-KR" dirty="0" smtClean="0"/>
           </a:p>
           <a:p>
             <a:pPr lvl="1"/>
             <a:r>
-              <a:rPr altLang="ko-KR" smtClean="0"/>
+              <a:rPr altLang="ko-KR" dirty="0" smtClean="0"/>
               <a:t>Tomcat </a:t>
             </a:r>
             <a:r>
@@ -30096,7 +31830,7 @@
           <a:blip r:embed="rId2">
             <a:extLst>
               <a:ext uri="{28A0092B-C50C-407E-A947-70E740481C1C}">
-                <a14:useLocalDpi xmlns:a14="http://schemas.microsoft.com/office/drawing/2010/main" xmlns="" val="0"/>
+                <a14:useLocalDpi xmlns:a14="http://schemas.microsoft.com/office/drawing/2010/main" val="0"/>
               </a:ext>
             </a:extLst>
           </a:blip>
@@ -30119,14 +31853,14 @@
           </a:ln>
           <a:extLst>
             <a:ext uri="{909E8E84-426E-40DD-AFC4-6F175D3DCCD1}">
-              <a14:hiddenFill xmlns:a14="http://schemas.microsoft.com/office/drawing/2010/main" xmlns="">
+              <a14:hiddenFill xmlns:a14="http://schemas.microsoft.com/office/drawing/2010/main">
                 <a:solidFill>
                   <a:schemeClr val="accent1"/>
                 </a:solidFill>
               </a14:hiddenFill>
             </a:ext>
             <a:ext uri="{91240B29-F687-4F45-9708-019B960494DF}">
-              <a14:hiddenLine xmlns:a14="http://schemas.microsoft.com/office/drawing/2010/main" xmlns="" w="9525">
+              <a14:hiddenLine xmlns:a14="http://schemas.microsoft.com/office/drawing/2010/main" w="9525">
                 <a:solidFill>
                   <a:schemeClr val="tx1"/>
                 </a:solidFill>
@@ -30171,10 +31905,336 @@
           <a:effectLst/>
         </p:spPr>
       </p:pic>
+      <mc:AlternateContent xmlns:mc="http://schemas.openxmlformats.org/markup-compatibility/2006">
+        <mc:Choice xmlns:p14="http://schemas.microsoft.com/office/powerpoint/2010/main" Requires="p14">
+          <p:contentPart p14:bwMode="auto" r:id="rId4">
+            <p14:nvContentPartPr>
+              <p14:cNvPr id="7" name="잉크 6"/>
+              <p14:cNvContentPartPr/>
+              <p14:nvPr/>
+            </p14:nvContentPartPr>
+            <p14:xfrm>
+              <a:off x="499056" y="2645664"/>
+              <a:ext cx="171720" cy="1378080"/>
+            </p14:xfrm>
+          </p:contentPart>
+        </mc:Choice>
+        <mc:Fallback>
+          <p:pic>
+            <p:nvPicPr>
+              <p:cNvPr id="7" name="잉크 6"/>
+              <p:cNvPicPr/>
+              <p:nvPr/>
+            </p:nvPicPr>
+            <p:blipFill>
+              <a:blip r:embed="rId5"/>
+              <a:stretch>
+                <a:fillRect/>
+              </a:stretch>
+            </p:blipFill>
+            <p:spPr>
+              <a:xfrm>
+                <a:off x="487176" y="2633784"/>
+                <a:ext cx="195480" cy="1401840"/>
+              </a:xfrm>
+              <a:prstGeom prst="rect">
+                <a:avLst/>
+              </a:prstGeom>
+            </p:spPr>
+          </p:pic>
+        </mc:Fallback>
+      </mc:AlternateContent>
+      <mc:AlternateContent xmlns:mc="http://schemas.openxmlformats.org/markup-compatibility/2006">
+        <mc:Choice xmlns:p14="http://schemas.microsoft.com/office/powerpoint/2010/main" Requires="p14">
+          <p:contentPart p14:bwMode="auto" r:id="rId6">
+            <p14:nvContentPartPr>
+              <p14:cNvPr id="9" name="잉크 8"/>
+              <p14:cNvContentPartPr/>
+              <p14:nvPr/>
+            </p14:nvContentPartPr>
+            <p14:xfrm>
+              <a:off x="608496" y="3340464"/>
+              <a:ext cx="123480" cy="366120"/>
+            </p14:xfrm>
+          </p:contentPart>
+        </mc:Choice>
+        <mc:Fallback>
+          <p:pic>
+            <p:nvPicPr>
+              <p:cNvPr id="9" name="잉크 8"/>
+              <p:cNvPicPr/>
+              <p:nvPr/>
+            </p:nvPicPr>
+            <p:blipFill>
+              <a:blip r:embed="rId7"/>
+              <a:stretch>
+                <a:fillRect/>
+              </a:stretch>
+            </p:blipFill>
+            <p:spPr>
+              <a:xfrm>
+                <a:off x="596616" y="3328584"/>
+                <a:ext cx="147240" cy="389880"/>
+              </a:xfrm>
+              <a:prstGeom prst="rect">
+                <a:avLst/>
+              </a:prstGeom>
+            </p:spPr>
+          </p:pic>
+        </mc:Fallback>
+      </mc:AlternateContent>
+      <mc:AlternateContent xmlns:mc="http://schemas.openxmlformats.org/markup-compatibility/2006">
+        <mc:Choice xmlns:p14="http://schemas.microsoft.com/office/powerpoint/2010/main" Requires="p14">
+          <p:contentPart p14:bwMode="auto" r:id="rId8">
+            <p14:nvContentPartPr>
+              <p14:cNvPr id="11" name="잉크 10"/>
+              <p14:cNvContentPartPr/>
+              <p14:nvPr/>
+            </p14:nvContentPartPr>
+            <p14:xfrm>
+              <a:off x="3950376" y="255984"/>
+              <a:ext cx="1158480" cy="646560"/>
+            </p14:xfrm>
+          </p:contentPart>
+        </mc:Choice>
+        <mc:Fallback>
+          <p:pic>
+            <p:nvPicPr>
+              <p:cNvPr id="11" name="잉크 10"/>
+              <p:cNvPicPr/>
+              <p:nvPr/>
+            </p:nvPicPr>
+            <p:blipFill>
+              <a:blip r:embed="rId9"/>
+              <a:stretch>
+                <a:fillRect/>
+              </a:stretch>
+            </p:blipFill>
+            <p:spPr>
+              <a:xfrm>
+                <a:off x="3938496" y="244104"/>
+                <a:ext cx="1182240" cy="670320"/>
+              </a:xfrm>
+              <a:prstGeom prst="rect">
+                <a:avLst/>
+              </a:prstGeom>
+            </p:spPr>
+          </p:pic>
+        </mc:Fallback>
+      </mc:AlternateContent>
+      <mc:AlternateContent xmlns:mc="http://schemas.openxmlformats.org/markup-compatibility/2006">
+        <mc:Choice xmlns:p14="http://schemas.microsoft.com/office/powerpoint/2010/main" Requires="p14">
+          <p:contentPart p14:bwMode="auto" r:id="rId10">
+            <p14:nvContentPartPr>
+              <p14:cNvPr id="12" name="잉크 11"/>
+              <p14:cNvContentPartPr/>
+              <p14:nvPr/>
+            </p14:nvContentPartPr>
+            <p14:xfrm>
+              <a:off x="4462296" y="2656104"/>
+              <a:ext cx="1635480" cy="664200"/>
+            </p14:xfrm>
+          </p:contentPart>
+        </mc:Choice>
+        <mc:Fallback>
+          <p:pic>
+            <p:nvPicPr>
+              <p:cNvPr id="12" name="잉크 11"/>
+              <p:cNvPicPr/>
+              <p:nvPr/>
+            </p:nvPicPr>
+            <p:blipFill>
+              <a:blip r:embed="rId11"/>
+              <a:stretch>
+                <a:fillRect/>
+              </a:stretch>
+            </p:blipFill>
+            <p:spPr>
+              <a:xfrm>
+                <a:off x="4450416" y="2644224"/>
+                <a:ext cx="1659240" cy="687960"/>
+              </a:xfrm>
+              <a:prstGeom prst="rect">
+                <a:avLst/>
+              </a:prstGeom>
+            </p:spPr>
+          </p:pic>
+        </mc:Fallback>
+      </mc:AlternateContent>
+      <p:sp>
+        <p:nvSpPr>
+          <p:cNvPr id="13" name="TextBox 12"/>
+          <p:cNvSpPr txBox="1"/>
+          <p:nvPr/>
+        </p:nvSpPr>
+        <p:spPr>
+          <a:xfrm>
+            <a:off x="5449824" y="255984"/>
+            <a:ext cx="3403496" cy="338554"/>
+          </a:xfrm>
+          <a:prstGeom prst="rect">
+            <a:avLst/>
+          </a:prstGeom>
+          <a:noFill/>
+        </p:spPr>
+        <p:txBody>
+          <a:bodyPr wrap="none" rtlCol="0">
+            <a:spAutoFit/>
+          </a:bodyPr>
+          <a:lstStyle/>
+          <a:p>
+            <a:r>
+              <a:rPr lang="en-US" altLang="ko-KR" sz="1600" dirty="0" smtClean="0">
+                <a:latin typeface="HY바다L" pitchFamily="18" charset="-127"/>
+                <a:ea typeface="HY바다L" pitchFamily="18" charset="-127"/>
+              </a:rPr>
+              <a:t>Html</a:t>
+            </a:r>
+            <a:r>
+              <a:rPr lang="ko-KR" altLang="en-US" sz="1600" dirty="0" smtClean="0">
+                <a:latin typeface="HY바다L" pitchFamily="18" charset="-127"/>
+                <a:ea typeface="HY바다L" pitchFamily="18" charset="-127"/>
+              </a:rPr>
+              <a:t>에 자바소스코드를 </a:t>
+            </a:r>
+            <a:r>
+              <a:rPr lang="ko-KR" altLang="en-US" sz="1600" dirty="0" err="1" smtClean="0">
+                <a:latin typeface="HY바다L" pitchFamily="18" charset="-127"/>
+                <a:ea typeface="HY바다L" pitchFamily="18" charset="-127"/>
+              </a:rPr>
+              <a:t>끼워넣는다</a:t>
+            </a:r>
+            <a:endParaRPr lang="ko-KR" altLang="en-US" sz="1600" dirty="0" smtClean="0">
+              <a:latin typeface="HY바다L" pitchFamily="18" charset="-127"/>
+              <a:ea typeface="HY바다L" pitchFamily="18" charset="-127"/>
+            </a:endParaRPr>
+          </a:p>
+        </p:txBody>
+      </p:sp>
+      <p:sp>
+        <p:nvSpPr>
+          <p:cNvPr id="14" name="TextBox 13"/>
+          <p:cNvSpPr txBox="1"/>
+          <p:nvPr/>
+        </p:nvSpPr>
+        <p:spPr>
+          <a:xfrm>
+            <a:off x="6473952" y="2194560"/>
+            <a:ext cx="2678938" cy="1077218"/>
+          </a:xfrm>
+          <a:prstGeom prst="rect">
+            <a:avLst/>
+          </a:prstGeom>
+          <a:noFill/>
+        </p:spPr>
+        <p:txBody>
+          <a:bodyPr wrap="none" rtlCol="0">
+            <a:spAutoFit/>
+          </a:bodyPr>
+          <a:lstStyle/>
+          <a:p>
+            <a:r>
+              <a:rPr lang="en-US" altLang="ko-KR" sz="1600" dirty="0" smtClean="0">
+                <a:latin typeface="HY바다L" pitchFamily="18" charset="-127"/>
+                <a:ea typeface="HY바다L" pitchFamily="18" charset="-127"/>
+              </a:rPr>
+              <a:t>S</a:t>
+            </a:r>
+            <a:r>
+              <a:rPr lang="en-US" altLang="ko-KR" sz="1600" dirty="0" smtClean="0">
+                <a:latin typeface="HY바다L" pitchFamily="18" charset="-127"/>
+                <a:ea typeface="HY바다L" pitchFamily="18" charset="-127"/>
+              </a:rPr>
+              <a:t>ervlet</a:t>
+            </a:r>
+            <a:r>
+              <a:rPr lang="en-US" altLang="ko-KR" sz="1600" dirty="0" smtClean="0">
+                <a:latin typeface="HY바다L" pitchFamily="18" charset="-127"/>
+                <a:ea typeface="HY바다L" pitchFamily="18" charset="-127"/>
+              </a:rPr>
+              <a:t> : </a:t>
+            </a:r>
+            <a:r>
+              <a:rPr lang="ko-KR" altLang="en-US" sz="1600" dirty="0" err="1" smtClean="0">
+                <a:latin typeface="HY바다L" pitchFamily="18" charset="-127"/>
+                <a:ea typeface="HY바다L" pitchFamily="18" charset="-127"/>
+              </a:rPr>
+              <a:t>컴파일되어있어서</a:t>
+            </a:r>
+            <a:endParaRPr lang="en-US" altLang="ko-KR" sz="1600" dirty="0" smtClean="0">
+              <a:latin typeface="HY바다L" pitchFamily="18" charset="-127"/>
+              <a:ea typeface="HY바다L" pitchFamily="18" charset="-127"/>
+            </a:endParaRPr>
+          </a:p>
+          <a:p>
+            <a:r>
+              <a:rPr lang="ko-KR" altLang="en-US" sz="1600" dirty="0" smtClean="0">
+                <a:latin typeface="HY바다L" pitchFamily="18" charset="-127"/>
+                <a:ea typeface="HY바다L" pitchFamily="18" charset="-127"/>
+              </a:rPr>
+              <a:t> </a:t>
+            </a:r>
+            <a:r>
+              <a:rPr lang="ko-KR" altLang="en-US" sz="1600" dirty="0" err="1" smtClean="0">
+                <a:latin typeface="HY바다L" pitchFamily="18" charset="-127"/>
+                <a:ea typeface="HY바다L" pitchFamily="18" charset="-127"/>
+              </a:rPr>
+              <a:t>쬐끔</a:t>
+            </a:r>
+            <a:r>
+              <a:rPr lang="ko-KR" altLang="en-US" sz="1600" dirty="0" smtClean="0">
+                <a:latin typeface="HY바다L" pitchFamily="18" charset="-127"/>
+                <a:ea typeface="HY바다L" pitchFamily="18" charset="-127"/>
+              </a:rPr>
+              <a:t> 더 빠름</a:t>
+            </a:r>
+            <a:endParaRPr lang="en-US" altLang="ko-KR" sz="1600" dirty="0" smtClean="0">
+              <a:latin typeface="HY바다L" pitchFamily="18" charset="-127"/>
+              <a:ea typeface="HY바다L" pitchFamily="18" charset="-127"/>
+            </a:endParaRPr>
+          </a:p>
+          <a:p>
+            <a:r>
+              <a:rPr lang="en-US" altLang="ko-KR" sz="1600" dirty="0" smtClean="0">
+                <a:latin typeface="HY바다L" pitchFamily="18" charset="-127"/>
+                <a:ea typeface="HY바다L" pitchFamily="18" charset="-127"/>
+              </a:rPr>
+              <a:t>But </a:t>
+            </a:r>
+            <a:r>
+              <a:rPr lang="ko-KR" altLang="en-US" sz="1600" dirty="0" err="1" smtClean="0">
+                <a:latin typeface="HY바다L" pitchFamily="18" charset="-127"/>
+                <a:ea typeface="HY바다L" pitchFamily="18" charset="-127"/>
+              </a:rPr>
+              <a:t>가독성이</a:t>
+            </a:r>
+            <a:r>
+              <a:rPr lang="ko-KR" altLang="en-US" sz="1600" dirty="0" smtClean="0">
+                <a:latin typeface="HY바다L" pitchFamily="18" charset="-127"/>
+                <a:ea typeface="HY바다L" pitchFamily="18" charset="-127"/>
+              </a:rPr>
+              <a:t> 엄청 낮음</a:t>
+            </a:r>
+            <a:endParaRPr lang="en-US" altLang="ko-KR" sz="1600" dirty="0" smtClean="0">
+              <a:latin typeface="HY바다L" pitchFamily="18" charset="-127"/>
+              <a:ea typeface="HY바다L" pitchFamily="18" charset="-127"/>
+            </a:endParaRPr>
+          </a:p>
+          <a:p>
+            <a:r>
+              <a:rPr lang="en-US" altLang="ko-KR" sz="1600" dirty="0" smtClean="0">
+                <a:latin typeface="HY바다L" pitchFamily="18" charset="-127"/>
+                <a:ea typeface="HY바다L" pitchFamily="18" charset="-127"/>
+              </a:rPr>
+              <a:t>-------------------------</a:t>
+            </a:r>
+          </a:p>
+        </p:txBody>
+      </p:sp>
     </p:spTree>
     <p:extLst>
       <p:ext uri="{BB962C8B-B14F-4D97-AF65-F5344CB8AC3E}">
-        <p14:creationId xmlns:p14="http://schemas.microsoft.com/office/powerpoint/2010/main" xmlns="" val="2472393483"/>
+        <p14:creationId xmlns:p14="http://schemas.microsoft.com/office/powerpoint/2010/main" val="2472393483"/>
       </p:ext>
     </p:extLst>
   </p:cSld>
@@ -30306,7 +32366,7 @@
           <a:blip r:embed="rId2">
             <a:extLst>
               <a:ext uri="{28A0092B-C50C-407E-A947-70E740481C1C}">
-                <a14:useLocalDpi xmlns:a14="http://schemas.microsoft.com/office/drawing/2010/main" xmlns="" val="0"/>
+                <a14:useLocalDpi xmlns:a14="http://schemas.microsoft.com/office/drawing/2010/main" val="0"/>
               </a:ext>
             </a:extLst>
           </a:blip>
@@ -30329,14 +32389,14 @@
           </a:ln>
           <a:extLst>
             <a:ext uri="{909E8E84-426E-40DD-AFC4-6F175D3DCCD1}">
-              <a14:hiddenFill xmlns:a14="http://schemas.microsoft.com/office/drawing/2010/main" xmlns="">
+              <a14:hiddenFill xmlns:a14="http://schemas.microsoft.com/office/drawing/2010/main">
                 <a:solidFill>
                   <a:schemeClr val="accent1"/>
                 </a:solidFill>
               </a14:hiddenFill>
             </a:ext>
             <a:ext uri="{91240B29-F687-4F45-9708-019B960494DF}">
-              <a14:hiddenLine xmlns:a14="http://schemas.microsoft.com/office/drawing/2010/main" xmlns="" w="9525">
+              <a14:hiddenLine xmlns:a14="http://schemas.microsoft.com/office/drawing/2010/main" w="9525">
                 <a:solidFill>
                   <a:schemeClr val="tx1"/>
                 </a:solidFill>
@@ -30351,7 +32411,7 @@
     </p:spTree>
     <p:extLst>
       <p:ext uri="{BB962C8B-B14F-4D97-AF65-F5344CB8AC3E}">
-        <p14:creationId xmlns:p14="http://schemas.microsoft.com/office/powerpoint/2010/main" xmlns="" val="1770693212"/>
+        <p14:creationId xmlns:p14="http://schemas.microsoft.com/office/powerpoint/2010/main" val="1770693212"/>
       </p:ext>
     </p:extLst>
   </p:cSld>
@@ -30631,7 +32691,7 @@
           <a:blip r:embed="rId2">
             <a:extLst>
               <a:ext uri="{28A0092B-C50C-407E-A947-70E740481C1C}">
-                <a14:useLocalDpi xmlns:a14="http://schemas.microsoft.com/office/drawing/2010/main" xmlns="" val="0"/>
+                <a14:useLocalDpi xmlns:a14="http://schemas.microsoft.com/office/drawing/2010/main" val="0"/>
               </a:ext>
             </a:extLst>
           </a:blip>
@@ -30651,7 +32711,7 @@
           <a:noFill/>
           <a:extLst>
             <a:ext uri="{909E8E84-426E-40DD-AFC4-6F175D3DCCD1}">
-              <a14:hiddenFill xmlns:a14="http://schemas.microsoft.com/office/drawing/2010/main" xmlns="">
+              <a14:hiddenFill xmlns:a14="http://schemas.microsoft.com/office/drawing/2010/main">
                 <a:solidFill>
                   <a:srgbClr val="FFFFFF"/>
                 </a:solidFill>
@@ -30663,7 +32723,7 @@
     </p:spTree>
     <p:extLst>
       <p:ext uri="{BB962C8B-B14F-4D97-AF65-F5344CB8AC3E}">
-        <p14:creationId xmlns:p14="http://schemas.microsoft.com/office/powerpoint/2010/main" xmlns="" val="1202396350"/>
+        <p14:creationId xmlns:p14="http://schemas.microsoft.com/office/powerpoint/2010/main" val="1202396350"/>
       </p:ext>
     </p:extLst>
   </p:cSld>
@@ -30989,7 +33049,7 @@
           <a:blip r:embed="rId2">
             <a:extLst>
               <a:ext uri="{28A0092B-C50C-407E-A947-70E740481C1C}">
-                <a14:useLocalDpi xmlns:a14="http://schemas.microsoft.com/office/drawing/2010/main" xmlns="" val="0"/>
+                <a14:useLocalDpi xmlns:a14="http://schemas.microsoft.com/office/drawing/2010/main" val="0"/>
               </a:ext>
             </a:extLst>
           </a:blip>
@@ -31009,7 +33069,7 @@
           <a:noFill/>
           <a:extLst>
             <a:ext uri="{909E8E84-426E-40DD-AFC4-6F175D3DCCD1}">
-              <a14:hiddenFill xmlns:a14="http://schemas.microsoft.com/office/drawing/2010/main" xmlns="">
+              <a14:hiddenFill xmlns:a14="http://schemas.microsoft.com/office/drawing/2010/main">
                 <a:solidFill>
                   <a:srgbClr val="FFFFFF"/>
                 </a:solidFill>
@@ -31021,7 +33081,7 @@
     </p:spTree>
     <p:extLst>
       <p:ext uri="{BB962C8B-B14F-4D97-AF65-F5344CB8AC3E}">
-        <p14:creationId xmlns:p14="http://schemas.microsoft.com/office/powerpoint/2010/main" xmlns="" val="250221097"/>
+        <p14:creationId xmlns:p14="http://schemas.microsoft.com/office/powerpoint/2010/main" val="250221097"/>
       </p:ext>
     </p:extLst>
   </p:cSld>
@@ -31092,7 +33152,7 @@
           <a:blip r:embed="rId2">
             <a:extLst>
               <a:ext uri="{28A0092B-C50C-407E-A947-70E740481C1C}">
-                <a14:useLocalDpi xmlns:a14="http://schemas.microsoft.com/office/drawing/2010/main" xmlns="" val="0"/>
+                <a14:useLocalDpi xmlns:a14="http://schemas.microsoft.com/office/drawing/2010/main" val="0"/>
               </a:ext>
             </a:extLst>
           </a:blip>
@@ -31115,14 +33175,14 @@
           </a:ln>
           <a:extLst>
             <a:ext uri="{909E8E84-426E-40DD-AFC4-6F175D3DCCD1}">
-              <a14:hiddenFill xmlns:a14="http://schemas.microsoft.com/office/drawing/2010/main" xmlns="">
+              <a14:hiddenFill xmlns:a14="http://schemas.microsoft.com/office/drawing/2010/main">
                 <a:solidFill>
                   <a:schemeClr val="accent1"/>
                 </a:solidFill>
               </a14:hiddenFill>
             </a:ext>
             <a:ext uri="{91240B29-F687-4F45-9708-019B960494DF}">
-              <a14:hiddenLine xmlns:a14="http://schemas.microsoft.com/office/drawing/2010/main" xmlns="" w="9525">
+              <a14:hiddenLine xmlns:a14="http://schemas.microsoft.com/office/drawing/2010/main" w="9525">
                 <a:solidFill>
                   <a:schemeClr val="tx1"/>
                 </a:solidFill>
@@ -31177,10 +33237,6 @@
                 </a:rPr>
                 <a:t>변수</a:t>
               </a:r>
-              <a:endParaRPr lang="ko-KR" altLang="en-US" sz="1600" dirty="0" smtClean="0">
-                <a:latin typeface="HY바다L" pitchFamily="18" charset="-127"/>
-                <a:ea typeface="HY바다L" pitchFamily="18" charset="-127"/>
-              </a:endParaRPr>
             </a:p>
           </p:txBody>
         </p:sp>
@@ -31213,10 +33269,6 @@
                 </a:rPr>
                 <a:t>연산자</a:t>
               </a:r>
-              <a:endParaRPr lang="ko-KR" altLang="en-US" sz="1600" dirty="0" smtClean="0">
-                <a:latin typeface="HY바다L" pitchFamily="18" charset="-127"/>
-                <a:ea typeface="HY바다L" pitchFamily="18" charset="-127"/>
-              </a:endParaRPr>
             </a:p>
           </p:txBody>
         </p:sp>
@@ -31249,10 +33301,6 @@
                 </a:rPr>
                 <a:t>수식</a:t>
               </a:r>
-              <a:endParaRPr lang="ko-KR" altLang="en-US" sz="1600" dirty="0" smtClean="0">
-                <a:latin typeface="HY바다L" pitchFamily="18" charset="-127"/>
-                <a:ea typeface="HY바다L" pitchFamily="18" charset="-127"/>
-              </a:endParaRPr>
             </a:p>
           </p:txBody>
         </p:sp>
@@ -31285,10 +33333,6 @@
                 </a:rPr>
                 <a:t>문장</a:t>
               </a:r>
-              <a:endParaRPr lang="ko-KR" altLang="en-US" sz="1600" dirty="0" smtClean="0">
-                <a:latin typeface="HY바다L" pitchFamily="18" charset="-127"/>
-                <a:ea typeface="HY바다L" pitchFamily="18" charset="-127"/>
-              </a:endParaRPr>
             </a:p>
           </p:txBody>
         </p:sp>
@@ -31321,10 +33365,6 @@
                 </a:rPr>
                 <a:t>블록</a:t>
               </a:r>
-              <a:endParaRPr lang="ko-KR" altLang="en-US" sz="1600" dirty="0" smtClean="0">
-                <a:latin typeface="HY바다L" pitchFamily="18" charset="-127"/>
-                <a:ea typeface="HY바다L" pitchFamily="18" charset="-127"/>
-              </a:endParaRPr>
             </a:p>
           </p:txBody>
         </p:sp>
@@ -31357,10 +33397,6 @@
                 </a:rPr>
                 <a:t>함수</a:t>
               </a:r>
-              <a:endParaRPr lang="ko-KR" altLang="en-US" sz="1600" dirty="0" smtClean="0">
-                <a:latin typeface="HY바다L" pitchFamily="18" charset="-127"/>
-                <a:ea typeface="HY바다L" pitchFamily="18" charset="-127"/>
-              </a:endParaRPr>
             </a:p>
           </p:txBody>
         </p:sp>
@@ -31393,10 +33429,6 @@
                 </a:rPr>
                 <a:t>객체</a:t>
               </a:r>
-              <a:endParaRPr lang="ko-KR" altLang="en-US" sz="1600" dirty="0" smtClean="0">
-                <a:latin typeface="HY바다L" pitchFamily="18" charset="-127"/>
-                <a:ea typeface="HY바다L" pitchFamily="18" charset="-127"/>
-              </a:endParaRPr>
             </a:p>
           </p:txBody>
         </p:sp>
@@ -31491,7 +33523,7 @@
     </p:spTree>
     <p:extLst>
       <p:ext uri="{BB962C8B-B14F-4D97-AF65-F5344CB8AC3E}">
-        <p14:creationId xmlns:p14="http://schemas.microsoft.com/office/powerpoint/2010/main" xmlns="" val="158429734"/>
+        <p14:creationId xmlns:p14="http://schemas.microsoft.com/office/powerpoint/2010/main" val="158429734"/>
       </p:ext>
     </p:extLst>
   </p:cSld>
